--- a/eece3170/sum16/lectures/eece.3170sum16_lec9.pptx
+++ b/eece3170/sum16/lectures/eece.3170sum16_lec9.pptx
@@ -561,7 +561,7 @@
             <a:tailEnd/>
           </a:ln>
           <a:extLst>
-            <a:ext uri="{909E8E84-426E-40dd-AFC4-6F175D3DCCD1}">
+            <a:ext uri="{909E8E84-426E-40DD-AFC4-6F175D3DCCD1}">
               <a14:hiddenFill xmlns:a14="http://schemas.microsoft.com/office/drawing/2010/main">
                 <a:solidFill>
                   <a:srgbClr val="FFFFFF"/>
@@ -569,7 +569,7 @@
               </a14:hiddenFill>
             </a:ext>
             <a:ext uri="{FAA26D3D-D897-4be2-8F04-BA451C77F1D7}">
-              <ma14:placeholderFlag xmlns:ma14="http://schemas.microsoft.com/office/mac/drawingml/2011/main" val="1"/>
+              <ma14:placeholderFlag xmlns:ma14="http://schemas.microsoft.com/office/mac/drawingml/2011/main" xmlns="" val="1"/>
             </a:ext>
           </a:extLst>
         </p:spPr>
@@ -908,14 +908,14 @@
           <a:noFill/>
           <a:ln/>
           <a:extLst>
-            <a:ext uri="{909E8E84-426E-40dd-AFC4-6F175D3DCCD1}">
+            <a:ext uri="{909E8E84-426E-40DD-AFC4-6F175D3DCCD1}">
               <a14:hiddenFill xmlns:a14="http://schemas.microsoft.com/office/drawing/2010/main">
                 <a:solidFill>
                   <a:srgbClr val="FFFFFF"/>
                 </a:solidFill>
               </a14:hiddenFill>
             </a:ext>
-            <a:ext uri="{91240B29-F687-4f45-9708-019B960494DF}">
+            <a:ext uri="{91240B29-F687-4F45-9708-019B960494DF}">
               <a14:hiddenLine xmlns:a14="http://schemas.microsoft.com/office/drawing/2010/main" w="9525">
                 <a:solidFill>
                   <a:srgbClr val="000000"/>
@@ -1083,14 +1083,14 @@
           <a:noFill/>
           <a:ln/>
           <a:extLst>
-            <a:ext uri="{909E8E84-426E-40dd-AFC4-6F175D3DCCD1}">
+            <a:ext uri="{909E8E84-426E-40DD-AFC4-6F175D3DCCD1}">
               <a14:hiddenFill xmlns:a14="http://schemas.microsoft.com/office/drawing/2010/main">
                 <a:solidFill>
                   <a:srgbClr val="FFFFFF"/>
                 </a:solidFill>
               </a14:hiddenFill>
             </a:ext>
-            <a:ext uri="{91240B29-F687-4f45-9708-019B960494DF}">
+            <a:ext uri="{91240B29-F687-4F45-9708-019B960494DF}">
               <a14:hiddenLine xmlns:a14="http://schemas.microsoft.com/office/drawing/2010/main" w="9525">
                 <a:solidFill>
                   <a:srgbClr val="000000"/>
@@ -1101,7 +1101,7 @@
               </a14:hiddenLine>
             </a:ext>
             <a:ext uri="{FAA26D3D-D897-4be2-8F04-BA451C77F1D7}">
-              <ma14:placeholderFlag xmlns:ma14="http://schemas.microsoft.com/office/mac/drawingml/2011/main" val="1"/>
+              <ma14:placeholderFlag xmlns:ma14="http://schemas.microsoft.com/office/mac/drawingml/2011/main" xmlns="" val="1"/>
             </a:ext>
           </a:extLst>
         </p:spPr>
@@ -1153,14 +1153,14 @@
           <a:noFill/>
           <a:ln/>
           <a:extLst>
-            <a:ext uri="{909E8E84-426E-40dd-AFC4-6F175D3DCCD1}">
+            <a:ext uri="{909E8E84-426E-40DD-AFC4-6F175D3DCCD1}">
               <a14:hiddenFill xmlns:a14="http://schemas.microsoft.com/office/drawing/2010/main">
                 <a:solidFill>
                   <a:srgbClr val="FFFFFF"/>
                 </a:solidFill>
               </a14:hiddenFill>
             </a:ext>
-            <a:ext uri="{91240B29-F687-4f45-9708-019B960494DF}">
+            <a:ext uri="{91240B29-F687-4F45-9708-019B960494DF}">
               <a14:hiddenLine xmlns:a14="http://schemas.microsoft.com/office/drawing/2010/main" w="9525">
                 <a:solidFill>
                   <a:srgbClr val="000000"/>
@@ -1294,7 +1294,7 @@
             <a:fld id="{C32A4743-6A85-BA44-9C68-3321059A67F2}" type="datetime1">
               <a:rPr lang="en-US"/>
               <a:pPr/>
-              <a:t>6/6/16</a:t>
+              <a:t>6/8/2016</a:t>
             </a:fld>
             <a:endParaRPr lang="en-US"/>
           </a:p>
@@ -1314,14 +1314,14 @@
           <a:noFill/>
           <a:ln/>
           <a:extLst>
-            <a:ext uri="{909E8E84-426E-40dd-AFC4-6F175D3DCCD1}">
+            <a:ext uri="{909E8E84-426E-40DD-AFC4-6F175D3DCCD1}">
               <a14:hiddenFill xmlns:a14="http://schemas.microsoft.com/office/drawing/2010/main">
                 <a:solidFill>
                   <a:srgbClr val="FFFFFF"/>
                 </a:solidFill>
               </a14:hiddenFill>
             </a:ext>
-            <a:ext uri="{91240B29-F687-4f45-9708-019B960494DF}">
+            <a:ext uri="{91240B29-F687-4F45-9708-019B960494DF}">
               <a14:hiddenLine xmlns:a14="http://schemas.microsoft.com/office/drawing/2010/main" w="9525">
                 <a:solidFill>
                   <a:srgbClr val="000000"/>
@@ -1473,14 +1473,14 @@
           <a:noFill/>
           <a:ln/>
           <a:extLst>
-            <a:ext uri="{909E8E84-426E-40dd-AFC4-6F175D3DCCD1}">
+            <a:ext uri="{909E8E84-426E-40DD-AFC4-6F175D3DCCD1}">
               <a14:hiddenFill xmlns:a14="http://schemas.microsoft.com/office/drawing/2010/main">
                 <a:solidFill>
                   <a:srgbClr val="FFFFFF"/>
                 </a:solidFill>
               </a14:hiddenFill>
             </a:ext>
-            <a:ext uri="{91240B29-F687-4f45-9708-019B960494DF}">
+            <a:ext uri="{91240B29-F687-4F45-9708-019B960494DF}">
               <a14:hiddenLine xmlns:a14="http://schemas.microsoft.com/office/drawing/2010/main" w="9525">
                 <a:solidFill>
                   <a:srgbClr val="000000"/>
@@ -1658,7 +1658,7 @@
           </a:ln>
           <a:extLst>
             <a:ext uri="{FAA26D3D-D897-4be2-8F04-BA451C77F1D7}">
-              <ma14:placeholderFlag xmlns:ma14="http://schemas.microsoft.com/office/mac/drawingml/2011/main" val="1"/>
+              <ma14:placeholderFlag xmlns:ma14="http://schemas.microsoft.com/office/mac/drawingml/2011/main" xmlns="" val="1"/>
             </a:ext>
           </a:extLst>
         </p:spPr>
@@ -1709,14 +1709,14 @@
           <a:noFill/>
           <a:ln/>
           <a:extLst>
-            <a:ext uri="{909E8E84-426E-40dd-AFC4-6F175D3DCCD1}">
+            <a:ext uri="{909E8E84-426E-40DD-AFC4-6F175D3DCCD1}">
               <a14:hiddenFill xmlns:a14="http://schemas.microsoft.com/office/drawing/2010/main">
                 <a:solidFill>
                   <a:srgbClr val="FFFFFF"/>
                 </a:solidFill>
               </a14:hiddenFill>
             </a:ext>
-            <a:ext uri="{91240B29-F687-4f45-9708-019B960494DF}">
+            <a:ext uri="{91240B29-F687-4F45-9708-019B960494DF}">
               <a14:hiddenLine xmlns:a14="http://schemas.microsoft.com/office/drawing/2010/main" w="9525">
                 <a:solidFill>
                   <a:srgbClr val="000000"/>
@@ -1843,7 +1843,7 @@
             <a:fld id="{FBDD78F6-2E2A-B745-831F-D5C2E156477E}" type="datetime1">
               <a:rPr lang="en-US" sz="1200"/>
               <a:pPr eaLnBrk="1" hangingPunct="1"/>
-              <a:t>6/6/16</a:t>
+              <a:t>6/8/2016</a:t>
             </a:fld>
             <a:endParaRPr lang="en-US" sz="1200"/>
           </a:p>
@@ -1863,14 +1863,14 @@
           <a:noFill/>
           <a:ln/>
           <a:extLst>
-            <a:ext uri="{909E8E84-426E-40dd-AFC4-6F175D3DCCD1}">
+            <a:ext uri="{909E8E84-426E-40DD-AFC4-6F175D3DCCD1}">
               <a14:hiddenFill xmlns:a14="http://schemas.microsoft.com/office/drawing/2010/main">
                 <a:solidFill>
                   <a:srgbClr val="FFFFFF"/>
                 </a:solidFill>
               </a14:hiddenFill>
             </a:ext>
-            <a:ext uri="{91240B29-F687-4f45-9708-019B960494DF}">
+            <a:ext uri="{91240B29-F687-4F45-9708-019B960494DF}">
               <a14:hiddenLine xmlns:a14="http://schemas.microsoft.com/office/drawing/2010/main" w="9525">
                 <a:solidFill>
                   <a:srgbClr val="000000"/>
@@ -2015,14 +2015,14 @@
           <a:noFill/>
           <a:ln/>
           <a:extLst>
-            <a:ext uri="{909E8E84-426E-40dd-AFC4-6F175D3DCCD1}">
+            <a:ext uri="{909E8E84-426E-40DD-AFC4-6F175D3DCCD1}">
               <a14:hiddenFill xmlns:a14="http://schemas.microsoft.com/office/drawing/2010/main">
                 <a:solidFill>
                   <a:srgbClr val="FFFFFF"/>
                 </a:solidFill>
               </a14:hiddenFill>
             </a:ext>
-            <a:ext uri="{91240B29-F687-4f45-9708-019B960494DF}">
+            <a:ext uri="{91240B29-F687-4F45-9708-019B960494DF}">
               <a14:hiddenLine xmlns:a14="http://schemas.microsoft.com/office/drawing/2010/main" w="9525">
                 <a:solidFill>
                   <a:srgbClr val="000000"/>
@@ -2159,7 +2159,7 @@
         <p:nvSpPr>
           <p:cNvPr id="22532" name="Rectangle 2"/>
           <p:cNvSpPr>
-            <a:spLocks noChangeArrowheads="1" noTextEdit="1"/>
+            <a:spLocks noGrp="1" noRot="1" noChangeAspect="1" noChangeArrowheads="1" noTextEdit="1"/>
           </p:cNvSpPr>
           <p:nvPr>
             <p:ph type="sldImg"/>
@@ -2176,7 +2176,7 @@
         <p:nvSpPr>
           <p:cNvPr id="22533" name="Rectangle 3"/>
           <p:cNvSpPr>
-            <a:spLocks noChangeArrowheads="1"/>
+            <a:spLocks noGrp="1" noChangeArrowheads="1"/>
           </p:cNvSpPr>
           <p:nvPr>
             <p:ph type="body" idx="1"/>
@@ -2193,7 +2193,7 @@
           </a:ln>
           <a:extLst>
             <a:ext uri="{FAA26D3D-D897-4be2-8F04-BA451C77F1D7}">
-              <ma14:placeholderFlag xmlns:ma14="http://schemas.microsoft.com/office/mac/drawingml/2011/main" val="1"/>
+              <ma14:placeholderFlag xmlns:ma14="http://schemas.microsoft.com/office/mac/drawingml/2011/main" xmlns="" val="1"/>
             </a:ext>
           </a:extLst>
         </p:spPr>
@@ -2244,14 +2244,14 @@
           <a:noFill/>
           <a:ln/>
           <a:extLst>
-            <a:ext uri="{909E8E84-426E-40dd-AFC4-6F175D3DCCD1}">
+            <a:ext uri="{909E8E84-426E-40DD-AFC4-6F175D3DCCD1}">
               <a14:hiddenFill xmlns:a14="http://schemas.microsoft.com/office/drawing/2010/main">
                 <a:solidFill>
                   <a:srgbClr val="FFFFFF"/>
                 </a:solidFill>
               </a14:hiddenFill>
             </a:ext>
-            <a:ext uri="{91240B29-F687-4f45-9708-019B960494DF}">
+            <a:ext uri="{91240B29-F687-4F45-9708-019B960494DF}">
               <a14:hiddenLine xmlns:a14="http://schemas.microsoft.com/office/drawing/2010/main" w="9525">
                 <a:solidFill>
                   <a:srgbClr val="000000"/>
@@ -2378,7 +2378,7 @@
             <a:fld id="{E8668D94-9293-E247-A260-91BAFB16E618}" type="datetime1">
               <a:rPr lang="en-US" sz="1200"/>
               <a:pPr eaLnBrk="1" hangingPunct="1"/>
-              <a:t>6/6/16</a:t>
+              <a:t>6/8/2016</a:t>
             </a:fld>
             <a:endParaRPr lang="en-US" sz="1200"/>
           </a:p>
@@ -2398,14 +2398,14 @@
           <a:noFill/>
           <a:ln/>
           <a:extLst>
-            <a:ext uri="{909E8E84-426E-40dd-AFC4-6F175D3DCCD1}">
+            <a:ext uri="{909E8E84-426E-40DD-AFC4-6F175D3DCCD1}">
               <a14:hiddenFill xmlns:a14="http://schemas.microsoft.com/office/drawing/2010/main">
                 <a:solidFill>
                   <a:srgbClr val="FFFFFF"/>
                 </a:solidFill>
               </a14:hiddenFill>
             </a:ext>
-            <a:ext uri="{91240B29-F687-4f45-9708-019B960494DF}">
+            <a:ext uri="{91240B29-F687-4F45-9708-019B960494DF}">
               <a14:hiddenLine xmlns:a14="http://schemas.microsoft.com/office/drawing/2010/main" w="9525">
                 <a:solidFill>
                   <a:srgbClr val="000000"/>
@@ -2550,14 +2550,14 @@
           <a:noFill/>
           <a:ln/>
           <a:extLst>
-            <a:ext uri="{909E8E84-426E-40dd-AFC4-6F175D3DCCD1}">
+            <a:ext uri="{909E8E84-426E-40DD-AFC4-6F175D3DCCD1}">
               <a14:hiddenFill xmlns:a14="http://schemas.microsoft.com/office/drawing/2010/main">
                 <a:solidFill>
                   <a:srgbClr val="FFFFFF"/>
                 </a:solidFill>
               </a14:hiddenFill>
             </a:ext>
-            <a:ext uri="{91240B29-F687-4f45-9708-019B960494DF}">
+            <a:ext uri="{91240B29-F687-4F45-9708-019B960494DF}">
               <a14:hiddenLine xmlns:a14="http://schemas.microsoft.com/office/drawing/2010/main" w="9525">
                 <a:solidFill>
                   <a:srgbClr val="000000"/>
@@ -2694,7 +2694,7 @@
         <p:nvSpPr>
           <p:cNvPr id="24580" name="Rectangle 2"/>
           <p:cNvSpPr>
-            <a:spLocks noChangeArrowheads="1" noTextEdit="1"/>
+            <a:spLocks noGrp="1" noRot="1" noChangeAspect="1" noChangeArrowheads="1" noTextEdit="1"/>
           </p:cNvSpPr>
           <p:nvPr>
             <p:ph type="sldImg"/>
@@ -2711,7 +2711,7 @@
         <p:nvSpPr>
           <p:cNvPr id="24581" name="Rectangle 3"/>
           <p:cNvSpPr>
-            <a:spLocks noChangeArrowheads="1"/>
+            <a:spLocks noGrp="1" noChangeArrowheads="1"/>
           </p:cNvSpPr>
           <p:nvPr>
             <p:ph type="body" idx="1"/>
@@ -2728,7 +2728,7 @@
           </a:ln>
           <a:extLst>
             <a:ext uri="{FAA26D3D-D897-4be2-8F04-BA451C77F1D7}">
-              <ma14:placeholderFlag xmlns:ma14="http://schemas.microsoft.com/office/mac/drawingml/2011/main" val="1"/>
+              <ma14:placeholderFlag xmlns:ma14="http://schemas.microsoft.com/office/mac/drawingml/2011/main" xmlns="" val="1"/>
             </a:ext>
           </a:extLst>
         </p:spPr>
@@ -2779,14 +2779,14 @@
           <a:noFill/>
           <a:ln/>
           <a:extLst>
-            <a:ext uri="{909E8E84-426E-40dd-AFC4-6F175D3DCCD1}">
+            <a:ext uri="{909E8E84-426E-40DD-AFC4-6F175D3DCCD1}">
               <a14:hiddenFill xmlns:a14="http://schemas.microsoft.com/office/drawing/2010/main">
                 <a:solidFill>
                   <a:srgbClr val="FFFFFF"/>
                 </a:solidFill>
               </a14:hiddenFill>
             </a:ext>
-            <a:ext uri="{91240B29-F687-4f45-9708-019B960494DF}">
+            <a:ext uri="{91240B29-F687-4F45-9708-019B960494DF}">
               <a14:hiddenLine xmlns:a14="http://schemas.microsoft.com/office/drawing/2010/main" w="9525">
                 <a:solidFill>
                   <a:srgbClr val="000000"/>
@@ -2913,7 +2913,7 @@
             <a:fld id="{05734F48-A6EC-6641-BBB5-C8A8D2D8B4C7}" type="datetime1">
               <a:rPr lang="en-US" sz="1200"/>
               <a:pPr eaLnBrk="1" hangingPunct="1"/>
-              <a:t>6/6/16</a:t>
+              <a:t>6/8/2016</a:t>
             </a:fld>
             <a:endParaRPr lang="en-US" sz="1200"/>
           </a:p>
@@ -2933,14 +2933,14 @@
           <a:noFill/>
           <a:ln/>
           <a:extLst>
-            <a:ext uri="{909E8E84-426E-40dd-AFC4-6F175D3DCCD1}">
+            <a:ext uri="{909E8E84-426E-40DD-AFC4-6F175D3DCCD1}">
               <a14:hiddenFill xmlns:a14="http://schemas.microsoft.com/office/drawing/2010/main">
                 <a:solidFill>
                   <a:srgbClr val="FFFFFF"/>
                 </a:solidFill>
               </a14:hiddenFill>
             </a:ext>
-            <a:ext uri="{91240B29-F687-4f45-9708-019B960494DF}">
+            <a:ext uri="{91240B29-F687-4F45-9708-019B960494DF}">
               <a14:hiddenLine xmlns:a14="http://schemas.microsoft.com/office/drawing/2010/main" w="9525">
                 <a:solidFill>
                   <a:srgbClr val="000000"/>
@@ -3085,14 +3085,14 @@
           <a:noFill/>
           <a:ln/>
           <a:extLst>
-            <a:ext uri="{909E8E84-426E-40dd-AFC4-6F175D3DCCD1}">
+            <a:ext uri="{909E8E84-426E-40DD-AFC4-6F175D3DCCD1}">
               <a14:hiddenFill xmlns:a14="http://schemas.microsoft.com/office/drawing/2010/main">
                 <a:solidFill>
                   <a:srgbClr val="FFFFFF"/>
                 </a:solidFill>
               </a14:hiddenFill>
             </a:ext>
-            <a:ext uri="{91240B29-F687-4f45-9708-019B960494DF}">
+            <a:ext uri="{91240B29-F687-4F45-9708-019B960494DF}">
               <a14:hiddenLine xmlns:a14="http://schemas.microsoft.com/office/drawing/2010/main" w="9525">
                 <a:solidFill>
                   <a:srgbClr val="000000"/>
@@ -3229,7 +3229,7 @@
         <p:nvSpPr>
           <p:cNvPr id="29700" name="Rectangle 2"/>
           <p:cNvSpPr>
-            <a:spLocks noChangeArrowheads="1" noTextEdit="1"/>
+            <a:spLocks noGrp="1" noRot="1" noChangeAspect="1" noChangeArrowheads="1" noTextEdit="1"/>
           </p:cNvSpPr>
           <p:nvPr>
             <p:ph type="sldImg"/>
@@ -3246,7 +3246,7 @@
         <p:nvSpPr>
           <p:cNvPr id="29701" name="Rectangle 3"/>
           <p:cNvSpPr>
-            <a:spLocks noChangeArrowheads="1"/>
+            <a:spLocks noGrp="1" noChangeArrowheads="1"/>
           </p:cNvSpPr>
           <p:nvPr>
             <p:ph type="body" idx="1"/>
@@ -3263,7 +3263,7 @@
           </a:ln>
           <a:extLst>
             <a:ext uri="{FAA26D3D-D897-4be2-8F04-BA451C77F1D7}">
-              <ma14:placeholderFlag xmlns:ma14="http://schemas.microsoft.com/office/mac/drawingml/2011/main" val="1"/>
+              <ma14:placeholderFlag xmlns:ma14="http://schemas.microsoft.com/office/mac/drawingml/2011/main" xmlns="" val="1"/>
             </a:ext>
           </a:extLst>
         </p:spPr>
@@ -3314,14 +3314,14 @@
           <a:noFill/>
           <a:ln/>
           <a:extLst>
-            <a:ext uri="{909E8E84-426E-40dd-AFC4-6F175D3DCCD1}">
+            <a:ext uri="{909E8E84-426E-40DD-AFC4-6F175D3DCCD1}">
               <a14:hiddenFill xmlns:a14="http://schemas.microsoft.com/office/drawing/2010/main">
                 <a:solidFill>
                   <a:srgbClr val="FFFFFF"/>
                 </a:solidFill>
               </a14:hiddenFill>
             </a:ext>
-            <a:ext uri="{91240B29-F687-4f45-9708-019B960494DF}">
+            <a:ext uri="{91240B29-F687-4F45-9708-019B960494DF}">
               <a14:hiddenLine xmlns:a14="http://schemas.microsoft.com/office/drawing/2010/main" w="9525">
                 <a:solidFill>
                   <a:srgbClr val="000000"/>
@@ -3448,7 +3448,7 @@
             <a:fld id="{D4F6E36D-4969-594A-8F0E-03E5E64F5FF3}" type="datetime1">
               <a:rPr lang="en-US" sz="1200"/>
               <a:pPr eaLnBrk="1" hangingPunct="1"/>
-              <a:t>6/6/16</a:t>
+              <a:t>6/8/2016</a:t>
             </a:fld>
             <a:endParaRPr lang="en-US" sz="1200"/>
           </a:p>
@@ -3468,14 +3468,14 @@
           <a:noFill/>
           <a:ln/>
           <a:extLst>
-            <a:ext uri="{909E8E84-426E-40dd-AFC4-6F175D3DCCD1}">
+            <a:ext uri="{909E8E84-426E-40DD-AFC4-6F175D3DCCD1}">
               <a14:hiddenFill xmlns:a14="http://schemas.microsoft.com/office/drawing/2010/main">
                 <a:solidFill>
                   <a:srgbClr val="FFFFFF"/>
                 </a:solidFill>
               </a14:hiddenFill>
             </a:ext>
-            <a:ext uri="{91240B29-F687-4f45-9708-019B960494DF}">
+            <a:ext uri="{91240B29-F687-4F45-9708-019B960494DF}">
               <a14:hiddenLine xmlns:a14="http://schemas.microsoft.com/office/drawing/2010/main" w="9525">
                 <a:solidFill>
                   <a:srgbClr val="000000"/>
@@ -3620,14 +3620,14 @@
           <a:noFill/>
           <a:ln/>
           <a:extLst>
-            <a:ext uri="{909E8E84-426E-40dd-AFC4-6F175D3DCCD1}">
+            <a:ext uri="{909E8E84-426E-40DD-AFC4-6F175D3DCCD1}">
               <a14:hiddenFill xmlns:a14="http://schemas.microsoft.com/office/drawing/2010/main">
                 <a:solidFill>
                   <a:srgbClr val="FFFFFF"/>
                 </a:solidFill>
               </a14:hiddenFill>
             </a:ext>
-            <a:ext uri="{91240B29-F687-4f45-9708-019B960494DF}">
+            <a:ext uri="{91240B29-F687-4F45-9708-019B960494DF}">
               <a14:hiddenLine xmlns:a14="http://schemas.microsoft.com/office/drawing/2010/main" w="9525">
                 <a:solidFill>
                   <a:srgbClr val="000000"/>
@@ -3764,7 +3764,7 @@
         <p:nvSpPr>
           <p:cNvPr id="31748" name="Rectangle 2"/>
           <p:cNvSpPr>
-            <a:spLocks noChangeArrowheads="1" noTextEdit="1"/>
+            <a:spLocks noGrp="1" noRot="1" noChangeAspect="1" noChangeArrowheads="1" noTextEdit="1"/>
           </p:cNvSpPr>
           <p:nvPr>
             <p:ph type="sldImg"/>
@@ -3781,7 +3781,7 @@
         <p:nvSpPr>
           <p:cNvPr id="31749" name="Rectangle 3"/>
           <p:cNvSpPr>
-            <a:spLocks noChangeArrowheads="1"/>
+            <a:spLocks noGrp="1" noChangeArrowheads="1"/>
           </p:cNvSpPr>
           <p:nvPr>
             <p:ph type="body" idx="1"/>
@@ -3798,7 +3798,7 @@
           </a:ln>
           <a:extLst>
             <a:ext uri="{FAA26D3D-D897-4be2-8F04-BA451C77F1D7}">
-              <ma14:placeholderFlag xmlns:ma14="http://schemas.microsoft.com/office/mac/drawingml/2011/main" val="1"/>
+              <ma14:placeholderFlag xmlns:ma14="http://schemas.microsoft.com/office/mac/drawingml/2011/main" xmlns="" val="1"/>
             </a:ext>
           </a:extLst>
         </p:spPr>
@@ -3849,14 +3849,14 @@
           <a:noFill/>
           <a:ln/>
           <a:extLst>
-            <a:ext uri="{909E8E84-426E-40dd-AFC4-6F175D3DCCD1}">
+            <a:ext uri="{909E8E84-426E-40DD-AFC4-6F175D3DCCD1}">
               <a14:hiddenFill xmlns:a14="http://schemas.microsoft.com/office/drawing/2010/main">
                 <a:solidFill>
                   <a:srgbClr val="FFFFFF"/>
                 </a:solidFill>
               </a14:hiddenFill>
             </a:ext>
-            <a:ext uri="{91240B29-F687-4f45-9708-019B960494DF}">
+            <a:ext uri="{91240B29-F687-4F45-9708-019B960494DF}">
               <a14:hiddenLine xmlns:a14="http://schemas.microsoft.com/office/drawing/2010/main" w="9525">
                 <a:solidFill>
                   <a:srgbClr val="000000"/>
@@ -3983,7 +3983,7 @@
             <a:fld id="{37F314AF-4DD2-F247-ADDE-C57FF8A2DF54}" type="datetime1">
               <a:rPr lang="en-US" sz="1200"/>
               <a:pPr eaLnBrk="1" hangingPunct="1"/>
-              <a:t>6/6/16</a:t>
+              <a:t>6/8/2016</a:t>
             </a:fld>
             <a:endParaRPr lang="en-US" sz="1200"/>
           </a:p>
@@ -4003,14 +4003,14 @@
           <a:noFill/>
           <a:ln/>
           <a:extLst>
-            <a:ext uri="{909E8E84-426E-40dd-AFC4-6F175D3DCCD1}">
+            <a:ext uri="{909E8E84-426E-40DD-AFC4-6F175D3DCCD1}">
               <a14:hiddenFill xmlns:a14="http://schemas.microsoft.com/office/drawing/2010/main">
                 <a:solidFill>
                   <a:srgbClr val="FFFFFF"/>
                 </a:solidFill>
               </a14:hiddenFill>
             </a:ext>
-            <a:ext uri="{91240B29-F687-4f45-9708-019B960494DF}">
+            <a:ext uri="{91240B29-F687-4F45-9708-019B960494DF}">
               <a14:hiddenLine xmlns:a14="http://schemas.microsoft.com/office/drawing/2010/main" w="9525">
                 <a:solidFill>
                   <a:srgbClr val="000000"/>
@@ -4155,14 +4155,14 @@
           <a:noFill/>
           <a:ln/>
           <a:extLst>
-            <a:ext uri="{909E8E84-426E-40dd-AFC4-6F175D3DCCD1}">
+            <a:ext uri="{909E8E84-426E-40DD-AFC4-6F175D3DCCD1}">
               <a14:hiddenFill xmlns:a14="http://schemas.microsoft.com/office/drawing/2010/main">
                 <a:solidFill>
                   <a:srgbClr val="FFFFFF"/>
                 </a:solidFill>
               </a14:hiddenFill>
             </a:ext>
-            <a:ext uri="{91240B29-F687-4f45-9708-019B960494DF}">
+            <a:ext uri="{91240B29-F687-4F45-9708-019B960494DF}">
               <a14:hiddenLine xmlns:a14="http://schemas.microsoft.com/office/drawing/2010/main" w="9525">
                 <a:solidFill>
                   <a:srgbClr val="000000"/>
@@ -4299,7 +4299,7 @@
         <p:nvSpPr>
           <p:cNvPr id="35844" name="Rectangle 2"/>
           <p:cNvSpPr>
-            <a:spLocks noChangeArrowheads="1" noTextEdit="1"/>
+            <a:spLocks noGrp="1" noRot="1" noChangeAspect="1" noChangeArrowheads="1" noTextEdit="1"/>
           </p:cNvSpPr>
           <p:nvPr>
             <p:ph type="sldImg"/>
@@ -4316,7 +4316,7 @@
         <p:nvSpPr>
           <p:cNvPr id="35845" name="Rectangle 3"/>
           <p:cNvSpPr>
-            <a:spLocks noChangeArrowheads="1"/>
+            <a:spLocks noGrp="1" noChangeArrowheads="1"/>
           </p:cNvSpPr>
           <p:nvPr>
             <p:ph type="body" idx="1"/>
@@ -4333,7 +4333,7 @@
           </a:ln>
           <a:extLst>
             <a:ext uri="{FAA26D3D-D897-4be2-8F04-BA451C77F1D7}">
-              <ma14:placeholderFlag xmlns:ma14="http://schemas.microsoft.com/office/mac/drawingml/2011/main" val="1"/>
+              <ma14:placeholderFlag xmlns:ma14="http://schemas.microsoft.com/office/mac/drawingml/2011/main" xmlns="" val="1"/>
             </a:ext>
           </a:extLst>
         </p:spPr>
@@ -4384,14 +4384,14 @@
           <a:noFill/>
           <a:ln/>
           <a:extLst>
-            <a:ext uri="{909E8E84-426E-40dd-AFC4-6F175D3DCCD1}">
+            <a:ext uri="{909E8E84-426E-40DD-AFC4-6F175D3DCCD1}">
               <a14:hiddenFill xmlns:a14="http://schemas.microsoft.com/office/drawing/2010/main">
                 <a:solidFill>
                   <a:srgbClr val="FFFFFF"/>
                 </a:solidFill>
               </a14:hiddenFill>
             </a:ext>
-            <a:ext uri="{91240B29-F687-4f45-9708-019B960494DF}">
+            <a:ext uri="{91240B29-F687-4F45-9708-019B960494DF}">
               <a14:hiddenLine xmlns:a14="http://schemas.microsoft.com/office/drawing/2010/main" w="9525">
                 <a:solidFill>
                   <a:srgbClr val="000000"/>
@@ -4518,7 +4518,7 @@
             <a:fld id="{081A29DB-C354-014A-989F-8BF32C399393}" type="datetime1">
               <a:rPr lang="en-US" sz="1200"/>
               <a:pPr eaLnBrk="1" hangingPunct="1"/>
-              <a:t>6/6/16</a:t>
+              <a:t>6/8/2016</a:t>
             </a:fld>
             <a:endParaRPr lang="en-US" sz="1200"/>
           </a:p>
@@ -4538,14 +4538,14 @@
           <a:noFill/>
           <a:ln/>
           <a:extLst>
-            <a:ext uri="{909E8E84-426E-40dd-AFC4-6F175D3DCCD1}">
+            <a:ext uri="{909E8E84-426E-40DD-AFC4-6F175D3DCCD1}">
               <a14:hiddenFill xmlns:a14="http://schemas.microsoft.com/office/drawing/2010/main">
                 <a:solidFill>
                   <a:srgbClr val="FFFFFF"/>
                 </a:solidFill>
               </a14:hiddenFill>
             </a:ext>
-            <a:ext uri="{91240B29-F687-4f45-9708-019B960494DF}">
+            <a:ext uri="{91240B29-F687-4F45-9708-019B960494DF}">
               <a14:hiddenLine xmlns:a14="http://schemas.microsoft.com/office/drawing/2010/main" w="9525">
                 <a:solidFill>
                   <a:srgbClr val="000000"/>
@@ -4690,14 +4690,14 @@
           <a:noFill/>
           <a:ln/>
           <a:extLst>
-            <a:ext uri="{909E8E84-426E-40dd-AFC4-6F175D3DCCD1}">
+            <a:ext uri="{909E8E84-426E-40DD-AFC4-6F175D3DCCD1}">
               <a14:hiddenFill xmlns:a14="http://schemas.microsoft.com/office/drawing/2010/main">
                 <a:solidFill>
                   <a:srgbClr val="FFFFFF"/>
                 </a:solidFill>
               </a14:hiddenFill>
             </a:ext>
-            <a:ext uri="{91240B29-F687-4f45-9708-019B960494DF}">
+            <a:ext uri="{91240B29-F687-4F45-9708-019B960494DF}">
               <a14:hiddenLine xmlns:a14="http://schemas.microsoft.com/office/drawing/2010/main" w="9525">
                 <a:solidFill>
                   <a:srgbClr val="000000"/>
@@ -4834,7 +4834,7 @@
         <p:nvSpPr>
           <p:cNvPr id="37892" name="Rectangle 2"/>
           <p:cNvSpPr>
-            <a:spLocks noChangeArrowheads="1" noTextEdit="1"/>
+            <a:spLocks noGrp="1" noRot="1" noChangeAspect="1" noChangeArrowheads="1" noTextEdit="1"/>
           </p:cNvSpPr>
           <p:nvPr>
             <p:ph type="sldImg"/>
@@ -4851,7 +4851,7 @@
         <p:nvSpPr>
           <p:cNvPr id="37893" name="Rectangle 3"/>
           <p:cNvSpPr>
-            <a:spLocks noChangeArrowheads="1"/>
+            <a:spLocks noGrp="1" noChangeArrowheads="1"/>
           </p:cNvSpPr>
           <p:nvPr>
             <p:ph type="body" idx="1"/>
@@ -4868,7 +4868,7 @@
           </a:ln>
           <a:extLst>
             <a:ext uri="{FAA26D3D-D897-4be2-8F04-BA451C77F1D7}">
-              <ma14:placeholderFlag xmlns:ma14="http://schemas.microsoft.com/office/mac/drawingml/2011/main" val="1"/>
+              <ma14:placeholderFlag xmlns:ma14="http://schemas.microsoft.com/office/mac/drawingml/2011/main" xmlns="" val="1"/>
             </a:ext>
           </a:extLst>
         </p:spPr>
@@ -4919,14 +4919,14 @@
           <a:noFill/>
           <a:ln/>
           <a:extLst>
-            <a:ext uri="{909E8E84-426E-40dd-AFC4-6F175D3DCCD1}">
+            <a:ext uri="{909E8E84-426E-40DD-AFC4-6F175D3DCCD1}">
               <a14:hiddenFill xmlns:a14="http://schemas.microsoft.com/office/drawing/2010/main">
                 <a:solidFill>
                   <a:srgbClr val="FFFFFF"/>
                 </a:solidFill>
               </a14:hiddenFill>
             </a:ext>
-            <a:ext uri="{91240B29-F687-4f45-9708-019B960494DF}">
+            <a:ext uri="{91240B29-F687-4F45-9708-019B960494DF}">
               <a14:hiddenLine xmlns:a14="http://schemas.microsoft.com/office/drawing/2010/main" w="9525">
                 <a:solidFill>
                   <a:srgbClr val="000000"/>
@@ -5060,7 +5060,7 @@
             <a:fld id="{A425ED44-1EF7-614F-B02A-28553181F42E}" type="datetime1">
               <a:rPr lang="en-US"/>
               <a:pPr/>
-              <a:t>6/6/16</a:t>
+              <a:t>6/8/2016</a:t>
             </a:fld>
             <a:endParaRPr lang="en-US"/>
           </a:p>
@@ -5080,14 +5080,14 @@
           <a:noFill/>
           <a:ln/>
           <a:extLst>
-            <a:ext uri="{909E8E84-426E-40dd-AFC4-6F175D3DCCD1}">
+            <a:ext uri="{909E8E84-426E-40DD-AFC4-6F175D3DCCD1}">
               <a14:hiddenFill xmlns:a14="http://schemas.microsoft.com/office/drawing/2010/main">
                 <a:solidFill>
                   <a:srgbClr val="FFFFFF"/>
                 </a:solidFill>
               </a14:hiddenFill>
             </a:ext>
-            <a:ext uri="{91240B29-F687-4f45-9708-019B960494DF}">
+            <a:ext uri="{91240B29-F687-4F45-9708-019B960494DF}">
               <a14:hiddenLine xmlns:a14="http://schemas.microsoft.com/office/drawing/2010/main" w="9525">
                 <a:solidFill>
                   <a:srgbClr val="000000"/>
@@ -5239,14 +5239,14 @@
           <a:noFill/>
           <a:ln/>
           <a:extLst>
-            <a:ext uri="{909E8E84-426E-40dd-AFC4-6F175D3DCCD1}">
+            <a:ext uri="{909E8E84-426E-40DD-AFC4-6F175D3DCCD1}">
               <a14:hiddenFill xmlns:a14="http://schemas.microsoft.com/office/drawing/2010/main">
                 <a:solidFill>
                   <a:srgbClr val="FFFFFF"/>
                 </a:solidFill>
               </a14:hiddenFill>
             </a:ext>
-            <a:ext uri="{91240B29-F687-4f45-9708-019B960494DF}">
+            <a:ext uri="{91240B29-F687-4F45-9708-019B960494DF}">
               <a14:hiddenLine xmlns:a14="http://schemas.microsoft.com/office/drawing/2010/main" w="9525">
                 <a:solidFill>
                   <a:srgbClr val="000000"/>
@@ -5414,14 +5414,14 @@
           <a:noFill/>
           <a:ln/>
           <a:extLst>
-            <a:ext uri="{909E8E84-426E-40dd-AFC4-6F175D3DCCD1}">
+            <a:ext uri="{909E8E84-426E-40DD-AFC4-6F175D3DCCD1}">
               <a14:hiddenFill xmlns:a14="http://schemas.microsoft.com/office/drawing/2010/main">
                 <a:solidFill>
                   <a:srgbClr val="FFFFFF"/>
                 </a:solidFill>
               </a14:hiddenFill>
             </a:ext>
-            <a:ext uri="{91240B29-F687-4f45-9708-019B960494DF}">
+            <a:ext uri="{91240B29-F687-4F45-9708-019B960494DF}">
               <a14:hiddenLine xmlns:a14="http://schemas.microsoft.com/office/drawing/2010/main" w="9525">
                 <a:solidFill>
                   <a:srgbClr val="000000"/>
@@ -5432,7 +5432,7 @@
               </a14:hiddenLine>
             </a:ext>
             <a:ext uri="{FAA26D3D-D897-4be2-8F04-BA451C77F1D7}">
-              <ma14:placeholderFlag xmlns:ma14="http://schemas.microsoft.com/office/mac/drawingml/2011/main" val="1"/>
+              <ma14:placeholderFlag xmlns:ma14="http://schemas.microsoft.com/office/mac/drawingml/2011/main" xmlns="" val="1"/>
             </a:ext>
           </a:extLst>
         </p:spPr>
@@ -5483,14 +5483,14 @@
           <a:noFill/>
           <a:ln/>
           <a:extLst>
-            <a:ext uri="{909E8E84-426E-40dd-AFC4-6F175D3DCCD1}">
+            <a:ext uri="{909E8E84-426E-40DD-AFC4-6F175D3DCCD1}">
               <a14:hiddenFill xmlns:a14="http://schemas.microsoft.com/office/drawing/2010/main">
                 <a:solidFill>
                   <a:srgbClr val="FFFFFF"/>
                 </a:solidFill>
               </a14:hiddenFill>
             </a:ext>
-            <a:ext uri="{91240B29-F687-4f45-9708-019B960494DF}">
+            <a:ext uri="{91240B29-F687-4F45-9708-019B960494DF}">
               <a14:hiddenLine xmlns:a14="http://schemas.microsoft.com/office/drawing/2010/main" w="9525">
                 <a:solidFill>
                   <a:srgbClr val="000000"/>
@@ -5624,7 +5624,7 @@
             <a:fld id="{A41A76E4-7E2E-E240-B82B-09C9D3F55ACF}" type="datetime1">
               <a:rPr lang="en-US"/>
               <a:pPr/>
-              <a:t>6/6/16</a:t>
+              <a:t>6/8/2016</a:t>
             </a:fld>
             <a:endParaRPr lang="en-US"/>
           </a:p>
@@ -5644,14 +5644,14 @@
           <a:noFill/>
           <a:ln/>
           <a:extLst>
-            <a:ext uri="{909E8E84-426E-40dd-AFC4-6F175D3DCCD1}">
+            <a:ext uri="{909E8E84-426E-40DD-AFC4-6F175D3DCCD1}">
               <a14:hiddenFill xmlns:a14="http://schemas.microsoft.com/office/drawing/2010/main">
                 <a:solidFill>
                   <a:srgbClr val="FFFFFF"/>
                 </a:solidFill>
               </a14:hiddenFill>
             </a:ext>
-            <a:ext uri="{91240B29-F687-4f45-9708-019B960494DF}">
+            <a:ext uri="{91240B29-F687-4F45-9708-019B960494DF}">
               <a14:hiddenLine xmlns:a14="http://schemas.microsoft.com/office/drawing/2010/main" w="9525">
                 <a:solidFill>
                   <a:srgbClr val="000000"/>
@@ -5803,14 +5803,14 @@
           <a:noFill/>
           <a:ln/>
           <a:extLst>
-            <a:ext uri="{909E8E84-426E-40dd-AFC4-6F175D3DCCD1}">
+            <a:ext uri="{909E8E84-426E-40DD-AFC4-6F175D3DCCD1}">
               <a14:hiddenFill xmlns:a14="http://schemas.microsoft.com/office/drawing/2010/main">
                 <a:solidFill>
                   <a:srgbClr val="FFFFFF"/>
                 </a:solidFill>
               </a14:hiddenFill>
             </a:ext>
-            <a:ext uri="{91240B29-F687-4f45-9708-019B960494DF}">
+            <a:ext uri="{91240B29-F687-4F45-9708-019B960494DF}">
               <a14:hiddenLine xmlns:a14="http://schemas.microsoft.com/office/drawing/2010/main" w="9525">
                 <a:solidFill>
                   <a:srgbClr val="000000"/>
@@ -5978,14 +5978,14 @@
           <a:noFill/>
           <a:ln/>
           <a:extLst>
-            <a:ext uri="{909E8E84-426E-40dd-AFC4-6F175D3DCCD1}">
+            <a:ext uri="{909E8E84-426E-40DD-AFC4-6F175D3DCCD1}">
               <a14:hiddenFill xmlns:a14="http://schemas.microsoft.com/office/drawing/2010/main">
                 <a:solidFill>
                   <a:srgbClr val="FFFFFF"/>
                 </a:solidFill>
               </a14:hiddenFill>
             </a:ext>
-            <a:ext uri="{91240B29-F687-4f45-9708-019B960494DF}">
+            <a:ext uri="{91240B29-F687-4F45-9708-019B960494DF}">
               <a14:hiddenLine xmlns:a14="http://schemas.microsoft.com/office/drawing/2010/main" w="9525">
                 <a:solidFill>
                   <a:srgbClr val="000000"/>
@@ -5996,7 +5996,7 @@
               </a14:hiddenLine>
             </a:ext>
             <a:ext uri="{FAA26D3D-D897-4be2-8F04-BA451C77F1D7}">
-              <ma14:placeholderFlag xmlns:ma14="http://schemas.microsoft.com/office/mac/drawingml/2011/main" val="1"/>
+              <ma14:placeholderFlag xmlns:ma14="http://schemas.microsoft.com/office/mac/drawingml/2011/main" xmlns="" val="1"/>
             </a:ext>
           </a:extLst>
         </p:spPr>
@@ -6047,14 +6047,14 @@
           <a:noFill/>
           <a:ln/>
           <a:extLst>
-            <a:ext uri="{909E8E84-426E-40dd-AFC4-6F175D3DCCD1}">
+            <a:ext uri="{909E8E84-426E-40DD-AFC4-6F175D3DCCD1}">
               <a14:hiddenFill xmlns:a14="http://schemas.microsoft.com/office/drawing/2010/main">
                 <a:solidFill>
                   <a:srgbClr val="FFFFFF"/>
                 </a:solidFill>
               </a14:hiddenFill>
             </a:ext>
-            <a:ext uri="{91240B29-F687-4f45-9708-019B960494DF}">
+            <a:ext uri="{91240B29-F687-4F45-9708-019B960494DF}">
               <a14:hiddenLine xmlns:a14="http://schemas.microsoft.com/office/drawing/2010/main" w="9525">
                 <a:solidFill>
                   <a:srgbClr val="000000"/>
@@ -6188,7 +6188,7 @@
             <a:fld id="{64B69092-3511-B146-9C1E-C7BEF6C3F4B7}" type="datetime1">
               <a:rPr lang="en-US"/>
               <a:pPr/>
-              <a:t>6/6/16</a:t>
+              <a:t>6/8/2016</a:t>
             </a:fld>
             <a:endParaRPr lang="en-US"/>
           </a:p>
@@ -6208,14 +6208,14 @@
           <a:noFill/>
           <a:ln/>
           <a:extLst>
-            <a:ext uri="{909E8E84-426E-40dd-AFC4-6F175D3DCCD1}">
+            <a:ext uri="{909E8E84-426E-40DD-AFC4-6F175D3DCCD1}">
               <a14:hiddenFill xmlns:a14="http://schemas.microsoft.com/office/drawing/2010/main">
                 <a:solidFill>
                   <a:srgbClr val="FFFFFF"/>
                 </a:solidFill>
               </a14:hiddenFill>
             </a:ext>
-            <a:ext uri="{91240B29-F687-4f45-9708-019B960494DF}">
+            <a:ext uri="{91240B29-F687-4F45-9708-019B960494DF}">
               <a14:hiddenLine xmlns:a14="http://schemas.microsoft.com/office/drawing/2010/main" w="9525">
                 <a:solidFill>
                   <a:srgbClr val="000000"/>
@@ -6367,14 +6367,14 @@
           <a:noFill/>
           <a:ln/>
           <a:extLst>
-            <a:ext uri="{909E8E84-426E-40dd-AFC4-6F175D3DCCD1}">
+            <a:ext uri="{909E8E84-426E-40DD-AFC4-6F175D3DCCD1}">
               <a14:hiddenFill xmlns:a14="http://schemas.microsoft.com/office/drawing/2010/main">
                 <a:solidFill>
                   <a:srgbClr val="FFFFFF"/>
                 </a:solidFill>
               </a14:hiddenFill>
             </a:ext>
-            <a:ext uri="{91240B29-F687-4f45-9708-019B960494DF}">
+            <a:ext uri="{91240B29-F687-4F45-9708-019B960494DF}">
               <a14:hiddenLine xmlns:a14="http://schemas.microsoft.com/office/drawing/2010/main" w="9525">
                 <a:solidFill>
                   <a:srgbClr val="000000"/>
@@ -6542,14 +6542,14 @@
           <a:noFill/>
           <a:ln/>
           <a:extLst>
-            <a:ext uri="{909E8E84-426E-40dd-AFC4-6F175D3DCCD1}">
+            <a:ext uri="{909E8E84-426E-40DD-AFC4-6F175D3DCCD1}">
               <a14:hiddenFill xmlns:a14="http://schemas.microsoft.com/office/drawing/2010/main">
                 <a:solidFill>
                   <a:srgbClr val="FFFFFF"/>
                 </a:solidFill>
               </a14:hiddenFill>
             </a:ext>
-            <a:ext uri="{91240B29-F687-4f45-9708-019B960494DF}">
+            <a:ext uri="{91240B29-F687-4F45-9708-019B960494DF}">
               <a14:hiddenLine xmlns:a14="http://schemas.microsoft.com/office/drawing/2010/main" w="9525">
                 <a:solidFill>
                   <a:srgbClr val="000000"/>
@@ -6560,7 +6560,7 @@
               </a14:hiddenLine>
             </a:ext>
             <a:ext uri="{FAA26D3D-D897-4be2-8F04-BA451C77F1D7}">
-              <ma14:placeholderFlag xmlns:ma14="http://schemas.microsoft.com/office/mac/drawingml/2011/main" val="1"/>
+              <ma14:placeholderFlag xmlns:ma14="http://schemas.microsoft.com/office/mac/drawingml/2011/main" xmlns="" val="1"/>
             </a:ext>
           </a:extLst>
         </p:spPr>
@@ -6611,14 +6611,14 @@
           <a:noFill/>
           <a:ln/>
           <a:extLst>
-            <a:ext uri="{909E8E84-426E-40dd-AFC4-6F175D3DCCD1}">
+            <a:ext uri="{909E8E84-426E-40DD-AFC4-6F175D3DCCD1}">
               <a14:hiddenFill xmlns:a14="http://schemas.microsoft.com/office/drawing/2010/main">
                 <a:solidFill>
                   <a:srgbClr val="FFFFFF"/>
                 </a:solidFill>
               </a14:hiddenFill>
             </a:ext>
-            <a:ext uri="{91240B29-F687-4f45-9708-019B960494DF}">
+            <a:ext uri="{91240B29-F687-4F45-9708-019B960494DF}">
               <a14:hiddenLine xmlns:a14="http://schemas.microsoft.com/office/drawing/2010/main" w="9525">
                 <a:solidFill>
                   <a:srgbClr val="000000"/>
@@ -6752,7 +6752,7 @@
             <a:fld id="{5F88B34B-318D-2A4D-B79F-4E19813930DA}" type="datetime1">
               <a:rPr lang="en-US"/>
               <a:pPr/>
-              <a:t>6/6/16</a:t>
+              <a:t>6/8/2016</a:t>
             </a:fld>
             <a:endParaRPr lang="en-US"/>
           </a:p>
@@ -6772,14 +6772,14 @@
           <a:noFill/>
           <a:ln/>
           <a:extLst>
-            <a:ext uri="{909E8E84-426E-40dd-AFC4-6F175D3DCCD1}">
+            <a:ext uri="{909E8E84-426E-40DD-AFC4-6F175D3DCCD1}">
               <a14:hiddenFill xmlns:a14="http://schemas.microsoft.com/office/drawing/2010/main">
                 <a:solidFill>
                   <a:srgbClr val="FFFFFF"/>
                 </a:solidFill>
               </a14:hiddenFill>
             </a:ext>
-            <a:ext uri="{91240B29-F687-4f45-9708-019B960494DF}">
+            <a:ext uri="{91240B29-F687-4F45-9708-019B960494DF}">
               <a14:hiddenLine xmlns:a14="http://schemas.microsoft.com/office/drawing/2010/main" w="9525">
                 <a:solidFill>
                   <a:srgbClr val="000000"/>
@@ -6931,14 +6931,14 @@
           <a:noFill/>
           <a:ln/>
           <a:extLst>
-            <a:ext uri="{909E8E84-426E-40dd-AFC4-6F175D3DCCD1}">
+            <a:ext uri="{909E8E84-426E-40DD-AFC4-6F175D3DCCD1}">
               <a14:hiddenFill xmlns:a14="http://schemas.microsoft.com/office/drawing/2010/main">
                 <a:solidFill>
                   <a:srgbClr val="FFFFFF"/>
                 </a:solidFill>
               </a14:hiddenFill>
             </a:ext>
-            <a:ext uri="{91240B29-F687-4f45-9708-019B960494DF}">
+            <a:ext uri="{91240B29-F687-4F45-9708-019B960494DF}">
               <a14:hiddenLine xmlns:a14="http://schemas.microsoft.com/office/drawing/2010/main" w="9525">
                 <a:solidFill>
                   <a:srgbClr val="000000"/>
@@ -7106,14 +7106,14 @@
           <a:noFill/>
           <a:ln/>
           <a:extLst>
-            <a:ext uri="{909E8E84-426E-40dd-AFC4-6F175D3DCCD1}">
+            <a:ext uri="{909E8E84-426E-40DD-AFC4-6F175D3DCCD1}">
               <a14:hiddenFill xmlns:a14="http://schemas.microsoft.com/office/drawing/2010/main">
                 <a:solidFill>
                   <a:srgbClr val="FFFFFF"/>
                 </a:solidFill>
               </a14:hiddenFill>
             </a:ext>
-            <a:ext uri="{91240B29-F687-4f45-9708-019B960494DF}">
+            <a:ext uri="{91240B29-F687-4F45-9708-019B960494DF}">
               <a14:hiddenLine xmlns:a14="http://schemas.microsoft.com/office/drawing/2010/main" w="9525">
                 <a:solidFill>
                   <a:srgbClr val="000000"/>
@@ -7124,7 +7124,7 @@
               </a14:hiddenLine>
             </a:ext>
             <a:ext uri="{FAA26D3D-D897-4be2-8F04-BA451C77F1D7}">
-              <ma14:placeholderFlag xmlns:ma14="http://schemas.microsoft.com/office/mac/drawingml/2011/main" val="1"/>
+              <ma14:placeholderFlag xmlns:ma14="http://schemas.microsoft.com/office/mac/drawingml/2011/main" xmlns="" val="1"/>
             </a:ext>
           </a:extLst>
         </p:spPr>
@@ -7175,14 +7175,14 @@
           <a:noFill/>
           <a:ln/>
           <a:extLst>
-            <a:ext uri="{909E8E84-426E-40dd-AFC4-6F175D3DCCD1}">
+            <a:ext uri="{909E8E84-426E-40DD-AFC4-6F175D3DCCD1}">
               <a14:hiddenFill xmlns:a14="http://schemas.microsoft.com/office/drawing/2010/main">
                 <a:solidFill>
                   <a:srgbClr val="FFFFFF"/>
                 </a:solidFill>
               </a14:hiddenFill>
             </a:ext>
-            <a:ext uri="{91240B29-F687-4f45-9708-019B960494DF}">
+            <a:ext uri="{91240B29-F687-4F45-9708-019B960494DF}">
               <a14:hiddenLine xmlns:a14="http://schemas.microsoft.com/office/drawing/2010/main" w="9525">
                 <a:solidFill>
                   <a:srgbClr val="000000"/>
@@ -7316,7 +7316,7 @@
             <a:fld id="{CAF13807-57EB-0349-8BBA-4E1704C8733B}" type="datetime1">
               <a:rPr lang="en-US"/>
               <a:pPr/>
-              <a:t>6/6/16</a:t>
+              <a:t>6/8/2016</a:t>
             </a:fld>
             <a:endParaRPr lang="en-US"/>
           </a:p>
@@ -7336,14 +7336,14 @@
           <a:noFill/>
           <a:ln/>
           <a:extLst>
-            <a:ext uri="{909E8E84-426E-40dd-AFC4-6F175D3DCCD1}">
+            <a:ext uri="{909E8E84-426E-40DD-AFC4-6F175D3DCCD1}">
               <a14:hiddenFill xmlns:a14="http://schemas.microsoft.com/office/drawing/2010/main">
                 <a:solidFill>
                   <a:srgbClr val="FFFFFF"/>
                 </a:solidFill>
               </a14:hiddenFill>
             </a:ext>
-            <a:ext uri="{91240B29-F687-4f45-9708-019B960494DF}">
+            <a:ext uri="{91240B29-F687-4F45-9708-019B960494DF}">
               <a14:hiddenLine xmlns:a14="http://schemas.microsoft.com/office/drawing/2010/main" w="9525">
                 <a:solidFill>
                   <a:srgbClr val="000000"/>
@@ -7495,14 +7495,14 @@
           <a:noFill/>
           <a:ln/>
           <a:extLst>
-            <a:ext uri="{909E8E84-426E-40dd-AFC4-6F175D3DCCD1}">
+            <a:ext uri="{909E8E84-426E-40DD-AFC4-6F175D3DCCD1}">
               <a14:hiddenFill xmlns:a14="http://schemas.microsoft.com/office/drawing/2010/main">
                 <a:solidFill>
                   <a:srgbClr val="FFFFFF"/>
                 </a:solidFill>
               </a14:hiddenFill>
             </a:ext>
-            <a:ext uri="{91240B29-F687-4f45-9708-019B960494DF}">
+            <a:ext uri="{91240B29-F687-4F45-9708-019B960494DF}">
               <a14:hiddenLine xmlns:a14="http://schemas.microsoft.com/office/drawing/2010/main" w="9525">
                 <a:solidFill>
                   <a:srgbClr val="000000"/>
@@ -7670,14 +7670,14 @@
           <a:noFill/>
           <a:ln/>
           <a:extLst>
-            <a:ext uri="{909E8E84-426E-40dd-AFC4-6F175D3DCCD1}">
+            <a:ext uri="{909E8E84-426E-40DD-AFC4-6F175D3DCCD1}">
               <a14:hiddenFill xmlns:a14="http://schemas.microsoft.com/office/drawing/2010/main">
                 <a:solidFill>
                   <a:srgbClr val="FFFFFF"/>
                 </a:solidFill>
               </a14:hiddenFill>
             </a:ext>
-            <a:ext uri="{91240B29-F687-4f45-9708-019B960494DF}">
+            <a:ext uri="{91240B29-F687-4F45-9708-019B960494DF}">
               <a14:hiddenLine xmlns:a14="http://schemas.microsoft.com/office/drawing/2010/main" w="9525">
                 <a:solidFill>
                   <a:srgbClr val="000000"/>
@@ -7688,7 +7688,7 @@
               </a14:hiddenLine>
             </a:ext>
             <a:ext uri="{FAA26D3D-D897-4be2-8F04-BA451C77F1D7}">
-              <ma14:placeholderFlag xmlns:ma14="http://schemas.microsoft.com/office/mac/drawingml/2011/main" val="1"/>
+              <ma14:placeholderFlag xmlns:ma14="http://schemas.microsoft.com/office/mac/drawingml/2011/main" xmlns="" val="1"/>
             </a:ext>
           </a:extLst>
         </p:spPr>
@@ -7739,14 +7739,14 @@
           <a:noFill/>
           <a:ln/>
           <a:extLst>
-            <a:ext uri="{909E8E84-426E-40dd-AFC4-6F175D3DCCD1}">
+            <a:ext uri="{909E8E84-426E-40DD-AFC4-6F175D3DCCD1}">
               <a14:hiddenFill xmlns:a14="http://schemas.microsoft.com/office/drawing/2010/main">
                 <a:solidFill>
                   <a:srgbClr val="FFFFFF"/>
                 </a:solidFill>
               </a14:hiddenFill>
             </a:ext>
-            <a:ext uri="{91240B29-F687-4f45-9708-019B960494DF}">
+            <a:ext uri="{91240B29-F687-4F45-9708-019B960494DF}">
               <a14:hiddenLine xmlns:a14="http://schemas.microsoft.com/office/drawing/2010/main" w="9525">
                 <a:solidFill>
                   <a:srgbClr val="000000"/>
@@ -7880,7 +7880,7 @@
             <a:fld id="{FF49E69D-BE65-4948-8846-38A5B58C518F}" type="datetime1">
               <a:rPr lang="en-US"/>
               <a:pPr/>
-              <a:t>6/6/16</a:t>
+              <a:t>6/8/2016</a:t>
             </a:fld>
             <a:endParaRPr lang="en-US"/>
           </a:p>
@@ -7900,14 +7900,14 @@
           <a:noFill/>
           <a:ln/>
           <a:extLst>
-            <a:ext uri="{909E8E84-426E-40dd-AFC4-6F175D3DCCD1}">
+            <a:ext uri="{909E8E84-426E-40DD-AFC4-6F175D3DCCD1}">
               <a14:hiddenFill xmlns:a14="http://schemas.microsoft.com/office/drawing/2010/main">
                 <a:solidFill>
                   <a:srgbClr val="FFFFFF"/>
                 </a:solidFill>
               </a14:hiddenFill>
             </a:ext>
-            <a:ext uri="{91240B29-F687-4f45-9708-019B960494DF}">
+            <a:ext uri="{91240B29-F687-4F45-9708-019B960494DF}">
               <a14:hiddenLine xmlns:a14="http://schemas.microsoft.com/office/drawing/2010/main" w="9525">
                 <a:solidFill>
                   <a:srgbClr val="000000"/>
@@ -8059,14 +8059,14 @@
           <a:noFill/>
           <a:ln/>
           <a:extLst>
-            <a:ext uri="{909E8E84-426E-40dd-AFC4-6F175D3DCCD1}">
+            <a:ext uri="{909E8E84-426E-40DD-AFC4-6F175D3DCCD1}">
               <a14:hiddenFill xmlns:a14="http://schemas.microsoft.com/office/drawing/2010/main">
                 <a:solidFill>
                   <a:srgbClr val="FFFFFF"/>
                 </a:solidFill>
               </a14:hiddenFill>
             </a:ext>
-            <a:ext uri="{91240B29-F687-4f45-9708-019B960494DF}">
+            <a:ext uri="{91240B29-F687-4F45-9708-019B960494DF}">
               <a14:hiddenLine xmlns:a14="http://schemas.microsoft.com/office/drawing/2010/main" w="9525">
                 <a:solidFill>
                   <a:srgbClr val="000000"/>
@@ -8234,14 +8234,14 @@
           <a:noFill/>
           <a:ln/>
           <a:extLst>
-            <a:ext uri="{909E8E84-426E-40dd-AFC4-6F175D3DCCD1}">
+            <a:ext uri="{909E8E84-426E-40DD-AFC4-6F175D3DCCD1}">
               <a14:hiddenFill xmlns:a14="http://schemas.microsoft.com/office/drawing/2010/main">
                 <a:solidFill>
                   <a:srgbClr val="FFFFFF"/>
                 </a:solidFill>
               </a14:hiddenFill>
             </a:ext>
-            <a:ext uri="{91240B29-F687-4f45-9708-019B960494DF}">
+            <a:ext uri="{91240B29-F687-4F45-9708-019B960494DF}">
               <a14:hiddenLine xmlns:a14="http://schemas.microsoft.com/office/drawing/2010/main" w="9525">
                 <a:solidFill>
                   <a:srgbClr val="000000"/>
@@ -8252,7 +8252,7 @@
               </a14:hiddenLine>
             </a:ext>
             <a:ext uri="{FAA26D3D-D897-4be2-8F04-BA451C77F1D7}">
-              <ma14:placeholderFlag xmlns:ma14="http://schemas.microsoft.com/office/mac/drawingml/2011/main" val="1"/>
+              <ma14:placeholderFlag xmlns:ma14="http://schemas.microsoft.com/office/mac/drawingml/2011/main" xmlns="" val="1"/>
             </a:ext>
           </a:extLst>
         </p:spPr>
@@ -8303,14 +8303,14 @@
           <a:noFill/>
           <a:ln/>
           <a:extLst>
-            <a:ext uri="{909E8E84-426E-40dd-AFC4-6F175D3DCCD1}">
+            <a:ext uri="{909E8E84-426E-40DD-AFC4-6F175D3DCCD1}">
               <a14:hiddenFill xmlns:a14="http://schemas.microsoft.com/office/drawing/2010/main">
                 <a:solidFill>
                   <a:srgbClr val="FFFFFF"/>
                 </a:solidFill>
               </a14:hiddenFill>
             </a:ext>
-            <a:ext uri="{91240B29-F687-4f45-9708-019B960494DF}">
+            <a:ext uri="{91240B29-F687-4F45-9708-019B960494DF}">
               <a14:hiddenLine xmlns:a14="http://schemas.microsoft.com/office/drawing/2010/main" w="9525">
                 <a:solidFill>
                   <a:srgbClr val="000000"/>
@@ -8444,7 +8444,7 @@
             <a:fld id="{D097FA69-BA47-BE42-A33F-258FA5B9F73A}" type="datetime1">
               <a:rPr lang="en-US"/>
               <a:pPr/>
-              <a:t>6/6/16</a:t>
+              <a:t>6/8/2016</a:t>
             </a:fld>
             <a:endParaRPr lang="en-US"/>
           </a:p>
@@ -8464,14 +8464,14 @@
           <a:noFill/>
           <a:ln/>
           <a:extLst>
-            <a:ext uri="{909E8E84-426E-40dd-AFC4-6F175D3DCCD1}">
+            <a:ext uri="{909E8E84-426E-40DD-AFC4-6F175D3DCCD1}">
               <a14:hiddenFill xmlns:a14="http://schemas.microsoft.com/office/drawing/2010/main">
                 <a:solidFill>
                   <a:srgbClr val="FFFFFF"/>
                 </a:solidFill>
               </a14:hiddenFill>
             </a:ext>
-            <a:ext uri="{91240B29-F687-4f45-9708-019B960494DF}">
+            <a:ext uri="{91240B29-F687-4F45-9708-019B960494DF}">
               <a14:hiddenLine xmlns:a14="http://schemas.microsoft.com/office/drawing/2010/main" w="9525">
                 <a:solidFill>
                   <a:srgbClr val="000000"/>
@@ -8623,14 +8623,14 @@
           <a:noFill/>
           <a:ln/>
           <a:extLst>
-            <a:ext uri="{909E8E84-426E-40dd-AFC4-6F175D3DCCD1}">
+            <a:ext uri="{909E8E84-426E-40DD-AFC4-6F175D3DCCD1}">
               <a14:hiddenFill xmlns:a14="http://schemas.microsoft.com/office/drawing/2010/main">
                 <a:solidFill>
                   <a:srgbClr val="FFFFFF"/>
                 </a:solidFill>
               </a14:hiddenFill>
             </a:ext>
-            <a:ext uri="{91240B29-F687-4f45-9708-019B960494DF}">
+            <a:ext uri="{91240B29-F687-4F45-9708-019B960494DF}">
               <a14:hiddenLine xmlns:a14="http://schemas.microsoft.com/office/drawing/2010/main" w="9525">
                 <a:solidFill>
                   <a:srgbClr val="000000"/>
@@ -8798,14 +8798,14 @@
           <a:noFill/>
           <a:ln/>
           <a:extLst>
-            <a:ext uri="{909E8E84-426E-40dd-AFC4-6F175D3DCCD1}">
+            <a:ext uri="{909E8E84-426E-40DD-AFC4-6F175D3DCCD1}">
               <a14:hiddenFill xmlns:a14="http://schemas.microsoft.com/office/drawing/2010/main">
                 <a:solidFill>
                   <a:srgbClr val="FFFFFF"/>
                 </a:solidFill>
               </a14:hiddenFill>
             </a:ext>
-            <a:ext uri="{91240B29-F687-4f45-9708-019B960494DF}">
+            <a:ext uri="{91240B29-F687-4F45-9708-019B960494DF}">
               <a14:hiddenLine xmlns:a14="http://schemas.microsoft.com/office/drawing/2010/main" w="9525">
                 <a:solidFill>
                   <a:srgbClr val="000000"/>
@@ -8816,7 +8816,7 @@
               </a14:hiddenLine>
             </a:ext>
             <a:ext uri="{FAA26D3D-D897-4be2-8F04-BA451C77F1D7}">
-              <ma14:placeholderFlag xmlns:ma14="http://schemas.microsoft.com/office/mac/drawingml/2011/main" val="1"/>
+              <ma14:placeholderFlag xmlns:ma14="http://schemas.microsoft.com/office/mac/drawingml/2011/main" xmlns="" val="1"/>
             </a:ext>
           </a:extLst>
         </p:spPr>
@@ -8867,14 +8867,14 @@
           <a:noFill/>
           <a:ln/>
           <a:extLst>
-            <a:ext uri="{909E8E84-426E-40dd-AFC4-6F175D3DCCD1}">
+            <a:ext uri="{909E8E84-426E-40DD-AFC4-6F175D3DCCD1}">
               <a14:hiddenFill xmlns:a14="http://schemas.microsoft.com/office/drawing/2010/main">
                 <a:solidFill>
                   <a:srgbClr val="FFFFFF"/>
                 </a:solidFill>
               </a14:hiddenFill>
             </a:ext>
-            <a:ext uri="{91240B29-F687-4f45-9708-019B960494DF}">
+            <a:ext uri="{91240B29-F687-4F45-9708-019B960494DF}">
               <a14:hiddenLine xmlns:a14="http://schemas.microsoft.com/office/drawing/2010/main" w="9525">
                 <a:solidFill>
                   <a:srgbClr val="000000"/>
@@ -9008,7 +9008,7 @@
             <a:fld id="{8C794069-ED77-DE4D-87BA-F08C43BE5BBF}" type="datetime1">
               <a:rPr lang="en-US"/>
               <a:pPr/>
-              <a:t>6/6/16</a:t>
+              <a:t>6/8/2016</a:t>
             </a:fld>
             <a:endParaRPr lang="en-US"/>
           </a:p>
@@ -9028,14 +9028,14 @@
           <a:noFill/>
           <a:ln/>
           <a:extLst>
-            <a:ext uri="{909E8E84-426E-40dd-AFC4-6F175D3DCCD1}">
+            <a:ext uri="{909E8E84-426E-40DD-AFC4-6F175D3DCCD1}">
               <a14:hiddenFill xmlns:a14="http://schemas.microsoft.com/office/drawing/2010/main">
                 <a:solidFill>
                   <a:srgbClr val="FFFFFF"/>
                 </a:solidFill>
               </a14:hiddenFill>
             </a:ext>
-            <a:ext uri="{91240B29-F687-4f45-9708-019B960494DF}">
+            <a:ext uri="{91240B29-F687-4F45-9708-019B960494DF}">
               <a14:hiddenLine xmlns:a14="http://schemas.microsoft.com/office/drawing/2010/main" w="9525">
                 <a:solidFill>
                   <a:srgbClr val="000000"/>
@@ -9187,14 +9187,14 @@
           <a:noFill/>
           <a:ln/>
           <a:extLst>
-            <a:ext uri="{909E8E84-426E-40dd-AFC4-6F175D3DCCD1}">
+            <a:ext uri="{909E8E84-426E-40DD-AFC4-6F175D3DCCD1}">
               <a14:hiddenFill xmlns:a14="http://schemas.microsoft.com/office/drawing/2010/main">
                 <a:solidFill>
                   <a:srgbClr val="FFFFFF"/>
                 </a:solidFill>
               </a14:hiddenFill>
             </a:ext>
-            <a:ext uri="{91240B29-F687-4f45-9708-019B960494DF}">
+            <a:ext uri="{91240B29-F687-4F45-9708-019B960494DF}">
               <a14:hiddenLine xmlns:a14="http://schemas.microsoft.com/office/drawing/2010/main" w="9525">
                 <a:solidFill>
                   <a:srgbClr val="000000"/>
@@ -9362,14 +9362,14 @@
           <a:noFill/>
           <a:ln/>
           <a:extLst>
-            <a:ext uri="{909E8E84-426E-40dd-AFC4-6F175D3DCCD1}">
+            <a:ext uri="{909E8E84-426E-40DD-AFC4-6F175D3DCCD1}">
               <a14:hiddenFill xmlns:a14="http://schemas.microsoft.com/office/drawing/2010/main">
                 <a:solidFill>
                   <a:srgbClr val="FFFFFF"/>
                 </a:solidFill>
               </a14:hiddenFill>
             </a:ext>
-            <a:ext uri="{91240B29-F687-4f45-9708-019B960494DF}">
+            <a:ext uri="{91240B29-F687-4F45-9708-019B960494DF}">
               <a14:hiddenLine xmlns:a14="http://schemas.microsoft.com/office/drawing/2010/main" w="9525">
                 <a:solidFill>
                   <a:srgbClr val="000000"/>
@@ -9380,7 +9380,7 @@
               </a14:hiddenLine>
             </a:ext>
             <a:ext uri="{FAA26D3D-D897-4be2-8F04-BA451C77F1D7}">
-              <ma14:placeholderFlag xmlns:ma14="http://schemas.microsoft.com/office/mac/drawingml/2011/main" val="1"/>
+              <ma14:placeholderFlag xmlns:ma14="http://schemas.microsoft.com/office/mac/drawingml/2011/main" xmlns="" val="1"/>
             </a:ext>
           </a:extLst>
         </p:spPr>
@@ -9481,7 +9481,7 @@
             <a:tailEnd/>
           </a:ln>
           <a:extLst>
-            <a:ext uri="{909E8E84-426E-40dd-AFC4-6F175D3DCCD1}">
+            <a:ext uri="{909E8E84-426E-40DD-AFC4-6F175D3DCCD1}">
               <a14:hiddenFill xmlns:a14="http://schemas.microsoft.com/office/drawing/2010/main">
                 <a:solidFill>
                   <a:srgbClr val="FFFFFF"/>
@@ -9524,7 +9524,7 @@
             <a:tailEnd/>
           </a:ln>
           <a:extLst>
-            <a:ext uri="{909E8E84-426E-40dd-AFC4-6F175D3DCCD1}">
+            <a:ext uri="{909E8E84-426E-40DD-AFC4-6F175D3DCCD1}">
               <a14:hiddenFill xmlns:a14="http://schemas.microsoft.com/office/drawing/2010/main">
                 <a:noFill/>
               </a14:hiddenFill>
@@ -9624,7 +9624,7 @@
           <a:p>
             <a:fld id="{10474969-AF3A-0340-8BD0-858FC248D408}" type="datetime1">
               <a:rPr lang="en-US" smtClean="0"/>
-              <a:t>6/6/16</a:t>
+              <a:t>6/8/2016</a:t>
             </a:fld>
             <a:endParaRPr lang="en-US"/>
           </a:p>
@@ -9821,7 +9821,7 @@
           <a:p>
             <a:fld id="{12B8EFFE-843D-7844-9087-9256B7C5B123}" type="datetime1">
               <a:rPr lang="en-US" smtClean="0"/>
-              <a:t>6/6/16</a:t>
+              <a:t>6/8/2016</a:t>
             </a:fld>
             <a:endParaRPr lang="en-US"/>
           </a:p>
@@ -10027,7 +10027,7 @@
           <a:p>
             <a:fld id="{95DDD89B-6D56-844C-A8D2-4E8679573396}" type="datetime1">
               <a:rPr lang="en-US" smtClean="0"/>
-              <a:t>6/6/16</a:t>
+              <a:t>6/8/2016</a:t>
             </a:fld>
             <a:endParaRPr lang="en-US"/>
           </a:p>
@@ -10290,7 +10290,7 @@
           <a:p>
             <a:fld id="{1E8D84CF-5666-F247-9EE4-DD18539247AC}" type="datetime1">
               <a:rPr lang="en-US" smtClean="0"/>
-              <a:t>6/6/16</a:t>
+              <a:t>6/8/2016</a:t>
             </a:fld>
             <a:endParaRPr lang="en-US"/>
           </a:p>
@@ -10553,7 +10553,7 @@
           <a:p>
             <a:fld id="{ADF4F725-7ABC-3944-BEEB-FDDA385C0D05}" type="datetime1">
               <a:rPr lang="en-US" smtClean="0"/>
-              <a:t>6/6/16</a:t>
+              <a:t>6/8/2016</a:t>
             </a:fld>
             <a:endParaRPr lang="en-US"/>
           </a:p>
@@ -10814,7 +10814,7 @@
           <a:p>
             <a:fld id="{A1C0DD94-1AF6-344D-8213-60156A98EEE5}" type="datetime1">
               <a:rPr lang="en-US" smtClean="0"/>
-              <a:t>6/6/16</a:t>
+              <a:t>6/8/2016</a:t>
             </a:fld>
             <a:endParaRPr lang="en-US"/>
           </a:p>
@@ -11011,7 +11011,7 @@
           <a:p>
             <a:fld id="{10954299-20A8-2441-82BC-D9F85AAB4C34}" type="datetime1">
               <a:rPr lang="en-US" smtClean="0"/>
-              <a:t>6/6/16</a:t>
+              <a:t>6/8/2016</a:t>
             </a:fld>
             <a:endParaRPr lang="en-US"/>
           </a:p>
@@ -11229,7 +11229,7 @@
           <a:p>
             <a:fld id="{497A2F7B-389D-F24D-A866-1BF8E02DC881}" type="datetime1">
               <a:rPr lang="en-US" smtClean="0"/>
-              <a:t>6/6/16</a:t>
+              <a:t>6/8/2016</a:t>
             </a:fld>
             <a:endParaRPr lang="en-US"/>
           </a:p>
@@ -11543,7 +11543,7 @@
           <a:p>
             <a:fld id="{538682A3-83C5-C34F-A375-7203F6739B3D}" type="datetime1">
               <a:rPr lang="en-US" smtClean="0"/>
-              <a:t>6/6/16</a:t>
+              <a:t>6/8/2016</a:t>
             </a:fld>
             <a:endParaRPr lang="en-US"/>
           </a:p>
@@ -11996,7 +11996,7 @@
           <a:p>
             <a:fld id="{BA9EB9CE-CCDB-9541-A870-C63113B07DDF}" type="datetime1">
               <a:rPr lang="en-US" smtClean="0"/>
-              <a:t>6/6/16</a:t>
+              <a:t>6/8/2016</a:t>
             </a:fld>
             <a:endParaRPr lang="en-US"/>
           </a:p>
@@ -12140,7 +12140,7 @@
           <a:p>
             <a:fld id="{F1F24F84-F9E9-7242-B73A-E59D1C8D255D}" type="datetime1">
               <a:rPr lang="en-US" smtClean="0"/>
-              <a:t>6/6/16</a:t>
+              <a:t>6/8/2016</a:t>
             </a:fld>
             <a:endParaRPr lang="en-US"/>
           </a:p>
@@ -12261,7 +12261,7 @@
           <a:p>
             <a:fld id="{E5D93FC6-EC37-9F4E-9948-902216038DF4}" type="datetime1">
               <a:rPr lang="en-US" smtClean="0"/>
-              <a:t>6/6/16</a:t>
+              <a:t>6/8/2016</a:t>
             </a:fld>
             <a:endParaRPr lang="en-US"/>
           </a:p>
@@ -12564,7 +12564,7 @@
           <a:p>
             <a:fld id="{09BC5155-2D17-5E44-9F89-16A5DB40FDBD}" type="datetime1">
               <a:rPr lang="en-US" smtClean="0"/>
-              <a:t>6/6/16</a:t>
+              <a:t>6/8/2016</a:t>
             </a:fld>
             <a:endParaRPr lang="en-US"/>
           </a:p>
@@ -12844,7 +12844,7 @@
           <a:p>
             <a:fld id="{2545C6EE-D3C6-D642-9A09-F06E87C0895D}" type="datetime1">
               <a:rPr lang="en-US" smtClean="0"/>
-              <a:t>6/6/16</a:t>
+              <a:t>6/8/2016</a:t>
             </a:fld>
             <a:endParaRPr lang="en-US"/>
           </a:p>
@@ -12973,14 +12973,14 @@
             <a:noFill/>
           </a:ln>
           <a:extLst>
-            <a:ext uri="{909E8E84-426E-40dd-AFC4-6F175D3DCCD1}">
+            <a:ext uri="{909E8E84-426E-40DD-AFC4-6F175D3DCCD1}">
               <a14:hiddenFill xmlns:a14="http://schemas.microsoft.com/office/drawing/2010/main">
                 <a:solidFill>
                   <a:srgbClr val="FFFFFF"/>
                 </a:solidFill>
               </a14:hiddenFill>
             </a:ext>
-            <a:ext uri="{91240B29-F687-4f45-9708-019B960494DF}">
+            <a:ext uri="{91240B29-F687-4F45-9708-019B960494DF}">
               <a14:hiddenLine xmlns:a14="http://schemas.microsoft.com/office/drawing/2010/main" w="9525">
                 <a:solidFill>
                   <a:srgbClr val="000000"/>
@@ -12991,7 +12991,7 @@
               </a14:hiddenLine>
             </a:ext>
             <a:ext uri="{FAA26D3D-D897-4be2-8F04-BA451C77F1D7}">
-              <ma14:placeholderFlag xmlns:ma14="http://schemas.microsoft.com/office/mac/drawingml/2011/main" val="1"/>
+              <ma14:placeholderFlag xmlns:ma14="http://schemas.microsoft.com/office/mac/drawingml/2011/main" xmlns="" val="1"/>
             </a:ext>
           </a:extLst>
         </p:spPr>
@@ -13034,14 +13034,14 @@
             <a:noFill/>
           </a:ln>
           <a:extLst>
-            <a:ext uri="{909E8E84-426E-40dd-AFC4-6F175D3DCCD1}">
+            <a:ext uri="{909E8E84-426E-40DD-AFC4-6F175D3DCCD1}">
               <a14:hiddenFill xmlns:a14="http://schemas.microsoft.com/office/drawing/2010/main">
                 <a:solidFill>
                   <a:srgbClr val="FFFFFF"/>
                 </a:solidFill>
               </a14:hiddenFill>
             </a:ext>
-            <a:ext uri="{91240B29-F687-4f45-9708-019B960494DF}">
+            <a:ext uri="{91240B29-F687-4F45-9708-019B960494DF}">
               <a14:hiddenLine xmlns:a14="http://schemas.microsoft.com/office/drawing/2010/main" w="9525">
                 <a:solidFill>
                   <a:srgbClr val="000000"/>
@@ -13052,7 +13052,7 @@
               </a14:hiddenLine>
             </a:ext>
             <a:ext uri="{FAA26D3D-D897-4be2-8F04-BA451C77F1D7}">
-              <ma14:placeholderFlag xmlns:ma14="http://schemas.microsoft.com/office/mac/drawingml/2011/main" val="1"/>
+              <ma14:placeholderFlag xmlns:ma14="http://schemas.microsoft.com/office/mac/drawingml/2011/main" xmlns="" val="1"/>
             </a:ext>
           </a:extLst>
         </p:spPr>
@@ -13143,7 +13143,7 @@
           <a:p>
             <a:fld id="{E4676E64-E1A4-454E-8982-AA2AEDF893D0}" type="datetime1">
               <a:rPr lang="en-US" smtClean="0"/>
-              <a:t>6/6/16</a:t>
+              <a:t>6/8/2016</a:t>
             </a:fld>
             <a:endParaRPr lang="en-US"/>
           </a:p>
@@ -13317,7 +13317,7 @@
             <a:tailEnd/>
           </a:ln>
           <a:extLst>
-            <a:ext uri="{909E8E84-426E-40dd-AFC4-6F175D3DCCD1}">
+            <a:ext uri="{909E8E84-426E-40DD-AFC4-6F175D3DCCD1}">
               <a14:hiddenFill xmlns:a14="http://schemas.microsoft.com/office/drawing/2010/main">
                 <a:solidFill>
                   <a:srgbClr val="FFFFFF"/>
@@ -13360,7 +13360,7 @@
             <a:tailEnd/>
           </a:ln>
           <a:extLst>
-            <a:ext uri="{909E8E84-426E-40dd-AFC4-6F175D3DCCD1}">
+            <a:ext uri="{909E8E84-426E-40DD-AFC4-6F175D3DCCD1}">
               <a14:hiddenFill xmlns:a14="http://schemas.microsoft.com/office/drawing/2010/main">
                 <a:noFill/>
               </a14:hiddenFill>
@@ -13397,7 +13397,7 @@
   <p:timing>
     <p:tnLst>
       <p:par>
-        <p:cTn xmlns:p14="http://schemas.microsoft.com/office/powerpoint/2010/main" id="1" dur="indefinite" restart="never" nodeType="tmRoot"/>
+        <p:cTn id="1" dur="indefinite" restart="never" nodeType="tmRoot"/>
       </p:par>
     </p:tnLst>
   </p:timing>
@@ -13938,13 +13938,7 @@
               <a:rPr lang="en-US" dirty="0" smtClean="0">
                 <a:latin typeface="Arial" charset="0"/>
               </a:rPr>
-              <a:t>Summer </a:t>
-            </a:r>
-            <a:r>
-              <a:rPr lang="en-US" dirty="0" smtClean="0">
-                <a:latin typeface="Arial" charset="0"/>
-              </a:rPr>
-              <a:t>2016</a:t>
+              <a:t>Summer 2016</a:t>
             </a:r>
             <a:endParaRPr lang="en-US" dirty="0">
               <a:latin typeface="Arial" charset="0"/>
@@ -13986,16 +13980,7 @@
                 </a:solidFill>
                 <a:latin typeface="Arial" charset="0"/>
               </a:rPr>
-              <a:t>9</a:t>
-            </a:r>
-            <a:r>
-              <a:rPr lang="en-US" b="1" dirty="0" smtClean="0">
-                <a:solidFill>
-                  <a:srgbClr val="0000FF"/>
-                </a:solidFill>
-                <a:latin typeface="Arial" charset="0"/>
-              </a:rPr>
-              <a:t>:</a:t>
+              <a:t>9:</a:t>
             </a:r>
             <a:endParaRPr lang="en-US" dirty="0">
               <a:latin typeface="Arial" charset="0"/>
@@ -14026,7 +14011,7 @@
   <p:timing>
     <p:tnLst>
       <p:par>
-        <p:cTn xmlns:p14="http://schemas.microsoft.com/office/powerpoint/2010/main" id="1" dur="indefinite" restart="never" nodeType="tmRoot"/>
+        <p:cTn id="1" dur="indefinite" restart="never" nodeType="tmRoot"/>
       </p:par>
     </p:tnLst>
   </p:timing>
@@ -14090,14 +14075,14 @@
           <a:noFill/>
           <a:ln/>
           <a:extLst>
-            <a:ext uri="{909E8E84-426E-40dd-AFC4-6F175D3DCCD1}">
+            <a:ext uri="{909E8E84-426E-40DD-AFC4-6F175D3DCCD1}">
               <a14:hiddenFill xmlns:a14="http://schemas.microsoft.com/office/drawing/2010/main">
                 <a:solidFill>
                   <a:srgbClr val="FFFFFF"/>
                 </a:solidFill>
               </a14:hiddenFill>
             </a:ext>
-            <a:ext uri="{91240B29-F687-4f45-9708-019B960494DF}">
+            <a:ext uri="{91240B29-F687-4F45-9708-019B960494DF}">
               <a14:hiddenLine xmlns:a14="http://schemas.microsoft.com/office/drawing/2010/main" w="9525">
                 <a:solidFill>
                   <a:srgbClr val="000000"/>
@@ -14296,14 +14281,14 @@
           <a:noFill/>
           <a:ln/>
           <a:extLst>
-            <a:ext uri="{909E8E84-426E-40dd-AFC4-6F175D3DCCD1}">
+            <a:ext uri="{909E8E84-426E-40DD-AFC4-6F175D3DCCD1}">
               <a14:hiddenFill xmlns:a14="http://schemas.microsoft.com/office/drawing/2010/main">
                 <a:solidFill>
                   <a:srgbClr val="FFFFFF"/>
                 </a:solidFill>
               </a14:hiddenFill>
             </a:ext>
-            <a:ext uri="{91240B29-F687-4f45-9708-019B960494DF}">
+            <a:ext uri="{91240B29-F687-4F45-9708-019B960494DF}">
               <a14:hiddenLine xmlns:a14="http://schemas.microsoft.com/office/drawing/2010/main" w="9525">
                 <a:solidFill>
                   <a:srgbClr val="000000"/>
@@ -14410,7 +14395,7 @@
               <a:rPr lang="en-US" sz="1200" smtClean="0">
                 <a:latin typeface="Garamond" charset="0"/>
               </a:rPr>
-              <a:t>6/6/16</a:t>
+              <a:t>6/8/2016</a:t>
             </a:fld>
             <a:endParaRPr lang="en-US" sz="1200">
               <a:latin typeface="Garamond" charset="0"/>
@@ -14452,14 +14437,14 @@
             <a:noFill/>
           </a:ln>
           <a:extLst>
-            <a:ext uri="{909E8E84-426E-40dd-AFC4-6F175D3DCCD1}">
+            <a:ext uri="{909E8E84-426E-40DD-AFC4-6F175D3DCCD1}">
               <a14:hiddenFill xmlns:a14="http://schemas.microsoft.com/office/drawing/2010/main">
                 <a:solidFill>
                   <a:schemeClr val="accent1"/>
                 </a:solidFill>
               </a14:hiddenFill>
             </a:ext>
-            <a:ext uri="{91240B29-F687-4f45-9708-019B960494DF}">
+            <a:ext uri="{91240B29-F687-4F45-9708-019B960494DF}">
               <a14:hiddenLine xmlns:a14="http://schemas.microsoft.com/office/drawing/2010/main" w="9525">
                 <a:solidFill>
                   <a:schemeClr val="tx1"/>
@@ -14480,7 +14465,7 @@
   <p:timing>
     <p:tnLst>
       <p:par>
-        <p:cTn xmlns:p14="http://schemas.microsoft.com/office/powerpoint/2010/main" id="1" dur="indefinite" restart="never" nodeType="tmRoot"/>
+        <p:cTn id="1" dur="indefinite" restart="never" nodeType="tmRoot"/>
       </p:par>
     </p:tnLst>
   </p:timing>
@@ -14544,14 +14529,14 @@
           <a:noFill/>
           <a:ln/>
           <a:extLst>
-            <a:ext uri="{909E8E84-426E-40dd-AFC4-6F175D3DCCD1}">
+            <a:ext uri="{909E8E84-426E-40DD-AFC4-6F175D3DCCD1}">
               <a14:hiddenFill xmlns:a14="http://schemas.microsoft.com/office/drawing/2010/main">
                 <a:solidFill>
                   <a:srgbClr val="FFFFFF"/>
                 </a:solidFill>
               </a14:hiddenFill>
             </a:ext>
-            <a:ext uri="{91240B29-F687-4f45-9708-019B960494DF}">
+            <a:ext uri="{91240B29-F687-4F45-9708-019B960494DF}">
               <a14:hiddenLine xmlns:a14="http://schemas.microsoft.com/office/drawing/2010/main" w="9525">
                 <a:solidFill>
                   <a:srgbClr val="000000"/>
@@ -14768,14 +14753,14 @@
           </a:ln>
           <a:effectLst/>
           <a:extLst>
-            <a:ext uri="{909E8E84-426E-40dd-AFC4-6F175D3DCCD1}">
+            <a:ext uri="{909E8E84-426E-40DD-AFC4-6F175D3DCCD1}">
               <a14:hiddenFill xmlns:a14="http://schemas.microsoft.com/office/drawing/2010/main">
                 <a:solidFill>
                   <a:schemeClr val="accent1"/>
                 </a:solidFill>
               </a14:hiddenFill>
             </a:ext>
-            <a:ext uri="{91240B29-F687-4f45-9708-019B960494DF}">
+            <a:ext uri="{91240B29-F687-4F45-9708-019B960494DF}">
               <a14:hiddenLine xmlns:a14="http://schemas.microsoft.com/office/drawing/2010/main" w="9525">
                 <a:solidFill>
                   <a:schemeClr val="tx1"/>
@@ -14785,7 +14770,7 @@
                 <a:tailEnd/>
               </a14:hiddenLine>
             </a:ext>
-            <a:ext uri="{AF507438-7753-43e0-B8FC-AC1667EBCBE1}">
+            <a:ext uri="{AF507438-7753-43E0-B8FC-AC1667EBCBE1}">
               <a14:hiddenEffects xmlns:a14="http://schemas.microsoft.com/office/drawing/2010/main">
                 <a:effectLst>
                   <a:outerShdw blurRad="63500" dist="38099" dir="2700000" algn="ctr" rotWithShape="0">
@@ -14813,14 +14798,14 @@
           <a:noFill/>
           <a:ln/>
           <a:extLst>
-            <a:ext uri="{909E8E84-426E-40dd-AFC4-6F175D3DCCD1}">
+            <a:ext uri="{909E8E84-426E-40DD-AFC4-6F175D3DCCD1}">
               <a14:hiddenFill xmlns:a14="http://schemas.microsoft.com/office/drawing/2010/main">
                 <a:solidFill>
                   <a:srgbClr val="FFFFFF"/>
                 </a:solidFill>
               </a14:hiddenFill>
             </a:ext>
-            <a:ext uri="{91240B29-F687-4f45-9708-019B960494DF}">
+            <a:ext uri="{91240B29-F687-4F45-9708-019B960494DF}">
               <a14:hiddenLine xmlns:a14="http://schemas.microsoft.com/office/drawing/2010/main" w="9525">
                 <a:solidFill>
                   <a:srgbClr val="000000"/>
@@ -14927,7 +14912,7 @@
               <a:rPr lang="en-US" sz="1200" smtClean="0">
                 <a:latin typeface="Garamond" charset="0"/>
               </a:rPr>
-              <a:t>6/6/16</a:t>
+              <a:t>6/8/2016</a:t>
             </a:fld>
             <a:endParaRPr lang="en-US" sz="1200">
               <a:latin typeface="Garamond" charset="0"/>
@@ -14943,7 +14928,7 @@
   <p:timing>
     <p:tnLst>
       <p:par>
-        <p:cTn xmlns:p14="http://schemas.microsoft.com/office/powerpoint/2010/main" id="1" dur="indefinite" restart="never" nodeType="tmRoot"/>
+        <p:cTn id="1" dur="indefinite" restart="never" nodeType="tmRoot"/>
       </p:par>
     </p:tnLst>
   </p:timing>
@@ -15007,14 +14992,14 @@
           <a:noFill/>
           <a:ln/>
           <a:extLst>
-            <a:ext uri="{909E8E84-426E-40dd-AFC4-6F175D3DCCD1}">
+            <a:ext uri="{909E8E84-426E-40DD-AFC4-6F175D3DCCD1}">
               <a14:hiddenFill xmlns:a14="http://schemas.microsoft.com/office/drawing/2010/main">
                 <a:solidFill>
                   <a:srgbClr val="FFFFFF"/>
                 </a:solidFill>
               </a14:hiddenFill>
             </a:ext>
-            <a:ext uri="{91240B29-F687-4f45-9708-019B960494DF}">
+            <a:ext uri="{91240B29-F687-4F45-9708-019B960494DF}">
               <a14:hiddenLine xmlns:a14="http://schemas.microsoft.com/office/drawing/2010/main" w="9525">
                 <a:solidFill>
                   <a:srgbClr val="000000"/>
@@ -15290,14 +15275,14 @@
           <a:noFill/>
           <a:ln/>
           <a:extLst>
-            <a:ext uri="{909E8E84-426E-40dd-AFC4-6F175D3DCCD1}">
+            <a:ext uri="{909E8E84-426E-40DD-AFC4-6F175D3DCCD1}">
               <a14:hiddenFill xmlns:a14="http://schemas.microsoft.com/office/drawing/2010/main">
                 <a:solidFill>
                   <a:srgbClr val="FFFFFF"/>
                 </a:solidFill>
               </a14:hiddenFill>
             </a:ext>
-            <a:ext uri="{91240B29-F687-4f45-9708-019B960494DF}">
+            <a:ext uri="{91240B29-F687-4F45-9708-019B960494DF}">
               <a14:hiddenLine xmlns:a14="http://schemas.microsoft.com/office/drawing/2010/main" w="9525">
                 <a:solidFill>
                   <a:srgbClr val="000000"/>
@@ -15404,7 +15389,7 @@
               <a:rPr lang="en-US" sz="1200" smtClean="0">
                 <a:latin typeface="Garamond" charset="0"/>
               </a:rPr>
-              <a:t>6/6/16</a:t>
+              <a:t>6/8/2016</a:t>
             </a:fld>
             <a:endParaRPr lang="en-US" sz="1200">
               <a:latin typeface="Garamond" charset="0"/>
@@ -15446,14 +15431,14 @@
             <a:noFill/>
           </a:ln>
           <a:extLst>
-            <a:ext uri="{909E8E84-426E-40dd-AFC4-6F175D3DCCD1}">
+            <a:ext uri="{909E8E84-426E-40DD-AFC4-6F175D3DCCD1}">
               <a14:hiddenFill xmlns:a14="http://schemas.microsoft.com/office/drawing/2010/main">
                 <a:solidFill>
                   <a:schemeClr val="accent1"/>
                 </a:solidFill>
               </a14:hiddenFill>
             </a:ext>
-            <a:ext uri="{91240B29-F687-4f45-9708-019B960494DF}">
+            <a:ext uri="{91240B29-F687-4F45-9708-019B960494DF}">
               <a14:hiddenLine xmlns:a14="http://schemas.microsoft.com/office/drawing/2010/main" w="9525">
                 <a:solidFill>
                   <a:schemeClr val="tx1"/>
@@ -15474,7 +15459,7 @@
   <p:timing>
     <p:tnLst>
       <p:par>
-        <p:cTn xmlns:p14="http://schemas.microsoft.com/office/powerpoint/2010/main" id="1" dur="indefinite" restart="never" nodeType="tmRoot"/>
+        <p:cTn id="1" dur="indefinite" restart="never" nodeType="tmRoot"/>
       </p:par>
     </p:tnLst>
   </p:timing>
@@ -15538,14 +15523,14 @@
           <a:noFill/>
           <a:ln/>
           <a:extLst>
-            <a:ext uri="{909E8E84-426E-40dd-AFC4-6F175D3DCCD1}">
+            <a:ext uri="{909E8E84-426E-40DD-AFC4-6F175D3DCCD1}">
               <a14:hiddenFill xmlns:a14="http://schemas.microsoft.com/office/drawing/2010/main">
                 <a:solidFill>
                   <a:srgbClr val="FFFFFF"/>
                 </a:solidFill>
               </a14:hiddenFill>
             </a:ext>
-            <a:ext uri="{91240B29-F687-4f45-9708-019B960494DF}">
+            <a:ext uri="{91240B29-F687-4F45-9708-019B960494DF}">
               <a14:hiddenLine xmlns:a14="http://schemas.microsoft.com/office/drawing/2010/main" w="9525">
                 <a:solidFill>
                   <a:srgbClr val="000000"/>
@@ -15840,14 +15825,14 @@
           <a:noFill/>
           <a:ln/>
           <a:extLst>
-            <a:ext uri="{909E8E84-426E-40dd-AFC4-6F175D3DCCD1}">
+            <a:ext uri="{909E8E84-426E-40DD-AFC4-6F175D3DCCD1}">
               <a14:hiddenFill xmlns:a14="http://schemas.microsoft.com/office/drawing/2010/main">
                 <a:solidFill>
                   <a:srgbClr val="FFFFFF"/>
                 </a:solidFill>
               </a14:hiddenFill>
             </a:ext>
-            <a:ext uri="{91240B29-F687-4f45-9708-019B960494DF}">
+            <a:ext uri="{91240B29-F687-4F45-9708-019B960494DF}">
               <a14:hiddenLine xmlns:a14="http://schemas.microsoft.com/office/drawing/2010/main" w="9525">
                 <a:solidFill>
                   <a:srgbClr val="000000"/>
@@ -15954,7 +15939,7 @@
               <a:rPr lang="en-US" sz="1200" smtClean="0">
                 <a:latin typeface="Garamond" charset="0"/>
               </a:rPr>
-              <a:t>6/6/16</a:t>
+              <a:t>6/8/2016</a:t>
             </a:fld>
             <a:endParaRPr lang="en-US" sz="1200">
               <a:latin typeface="Garamond" charset="0"/>
@@ -15996,14 +15981,14 @@
             <a:noFill/>
           </a:ln>
           <a:extLst>
-            <a:ext uri="{909E8E84-426E-40dd-AFC4-6F175D3DCCD1}">
+            <a:ext uri="{909E8E84-426E-40DD-AFC4-6F175D3DCCD1}">
               <a14:hiddenFill xmlns:a14="http://schemas.microsoft.com/office/drawing/2010/main">
                 <a:solidFill>
                   <a:schemeClr val="accent1"/>
                 </a:solidFill>
               </a14:hiddenFill>
             </a:ext>
-            <a:ext uri="{91240B29-F687-4f45-9708-019B960494DF}">
+            <a:ext uri="{91240B29-F687-4F45-9708-019B960494DF}">
               <a14:hiddenLine xmlns:a14="http://schemas.microsoft.com/office/drawing/2010/main" w="9525">
                 <a:solidFill>
                   <a:schemeClr val="tx1"/>
@@ -16024,7 +16009,7 @@
   <p:timing>
     <p:tnLst>
       <p:par>
-        <p:cTn xmlns:p14="http://schemas.microsoft.com/office/powerpoint/2010/main" id="1" dur="indefinite" restart="never" nodeType="tmRoot"/>
+        <p:cTn id="1" dur="indefinite" restart="never" nodeType="tmRoot"/>
       </p:par>
     </p:tnLst>
   </p:timing>
@@ -16299,14 +16284,14 @@
           <a:noFill/>
           <a:ln/>
           <a:extLst>
-            <a:ext uri="{909E8E84-426E-40dd-AFC4-6F175D3DCCD1}">
+            <a:ext uri="{909E8E84-426E-40DD-AFC4-6F175D3DCCD1}">
               <a14:hiddenFill xmlns:a14="http://schemas.microsoft.com/office/drawing/2010/main">
                 <a:solidFill>
                   <a:srgbClr val="FFFFFF"/>
                 </a:solidFill>
               </a14:hiddenFill>
             </a:ext>
-            <a:ext uri="{91240B29-F687-4f45-9708-019B960494DF}">
+            <a:ext uri="{91240B29-F687-4F45-9708-019B960494DF}">
               <a14:hiddenLine xmlns:a14="http://schemas.microsoft.com/office/drawing/2010/main" w="9525">
                 <a:solidFill>
                   <a:srgbClr val="000000"/>
@@ -16413,7 +16398,7 @@
               <a:rPr lang="en-US" sz="1200" smtClean="0">
                 <a:latin typeface="Garamond" charset="0"/>
               </a:rPr>
-              <a:t>6/6/16</a:t>
+              <a:t>6/8/2016</a:t>
             </a:fld>
             <a:endParaRPr lang="en-US" sz="1200">
               <a:latin typeface="Garamond" charset="0"/>
@@ -16461,14 +16446,14 @@
           <a:noFill/>
           <a:ln/>
           <a:extLst>
-            <a:ext uri="{909E8E84-426E-40dd-AFC4-6F175D3DCCD1}">
+            <a:ext uri="{909E8E84-426E-40DD-AFC4-6F175D3DCCD1}">
               <a14:hiddenFill xmlns:a14="http://schemas.microsoft.com/office/drawing/2010/main">
                 <a:solidFill>
                   <a:srgbClr val="FFFFFF"/>
                 </a:solidFill>
               </a14:hiddenFill>
             </a:ext>
-            <a:ext uri="{91240B29-F687-4f45-9708-019B960494DF}">
+            <a:ext uri="{91240B29-F687-4F45-9708-019B960494DF}">
               <a14:hiddenLine xmlns:a14="http://schemas.microsoft.com/office/drawing/2010/main" w="9525">
                 <a:solidFill>
                   <a:srgbClr val="000000"/>
@@ -16592,7 +16577,7 @@
   <p:timing>
     <p:tnLst>
       <p:par>
-        <p:cTn xmlns:p14="http://schemas.microsoft.com/office/powerpoint/2010/main" id="1" dur="indefinite" restart="never" nodeType="tmRoot"/>
+        <p:cTn id="1" dur="indefinite" restart="never" nodeType="tmRoot"/>
       </p:par>
     </p:tnLst>
   </p:timing>
@@ -16656,14 +16641,14 @@
           <a:noFill/>
           <a:ln/>
           <a:extLst>
-            <a:ext uri="{909E8E84-426E-40dd-AFC4-6F175D3DCCD1}">
+            <a:ext uri="{909E8E84-426E-40DD-AFC4-6F175D3DCCD1}">
               <a14:hiddenFill xmlns:a14="http://schemas.microsoft.com/office/drawing/2010/main">
                 <a:solidFill>
                   <a:srgbClr val="FFFFFF"/>
                 </a:solidFill>
               </a14:hiddenFill>
             </a:ext>
-            <a:ext uri="{91240B29-F687-4f45-9708-019B960494DF}">
+            <a:ext uri="{91240B29-F687-4F45-9708-019B960494DF}">
               <a14:hiddenLine xmlns:a14="http://schemas.microsoft.com/office/drawing/2010/main" w="9525">
                 <a:solidFill>
                   <a:srgbClr val="000000"/>
@@ -16979,14 +16964,14 @@
           <a:noFill/>
           <a:ln/>
           <a:extLst>
-            <a:ext uri="{909E8E84-426E-40dd-AFC4-6F175D3DCCD1}">
+            <a:ext uri="{909E8E84-426E-40DD-AFC4-6F175D3DCCD1}">
               <a14:hiddenFill xmlns:a14="http://schemas.microsoft.com/office/drawing/2010/main">
                 <a:solidFill>
                   <a:srgbClr val="FFFFFF"/>
                 </a:solidFill>
               </a14:hiddenFill>
             </a:ext>
-            <a:ext uri="{91240B29-F687-4f45-9708-019B960494DF}">
+            <a:ext uri="{91240B29-F687-4F45-9708-019B960494DF}">
               <a14:hiddenLine xmlns:a14="http://schemas.microsoft.com/office/drawing/2010/main" w="9525">
                 <a:solidFill>
                   <a:srgbClr val="000000"/>
@@ -17093,7 +17078,7 @@
               <a:rPr lang="en-US" sz="1200" smtClean="0">
                 <a:latin typeface="Garamond" charset="0"/>
               </a:rPr>
-              <a:t>6/6/16</a:t>
+              <a:t>6/8/2016</a:t>
             </a:fld>
             <a:endParaRPr lang="en-US" sz="1200">
               <a:latin typeface="Garamond" charset="0"/>
@@ -17135,14 +17120,14 @@
             <a:noFill/>
           </a:ln>
           <a:extLst>
-            <a:ext uri="{909E8E84-426E-40dd-AFC4-6F175D3DCCD1}">
+            <a:ext uri="{909E8E84-426E-40DD-AFC4-6F175D3DCCD1}">
               <a14:hiddenFill xmlns:a14="http://schemas.microsoft.com/office/drawing/2010/main">
                 <a:solidFill>
                   <a:schemeClr val="accent1"/>
                 </a:solidFill>
               </a14:hiddenFill>
             </a:ext>
-            <a:ext uri="{91240B29-F687-4f45-9708-019B960494DF}">
+            <a:ext uri="{91240B29-F687-4F45-9708-019B960494DF}">
               <a14:hiddenLine xmlns:a14="http://schemas.microsoft.com/office/drawing/2010/main" w="9525">
                 <a:solidFill>
                   <a:schemeClr val="tx1"/>
@@ -17163,7 +17148,7 @@
   <p:timing>
     <p:tnLst>
       <p:par>
-        <p:cTn xmlns:p14="http://schemas.microsoft.com/office/powerpoint/2010/main" id="1" dur="indefinite" restart="never" nodeType="tmRoot"/>
+        <p:cTn id="1" dur="indefinite" restart="never" nodeType="tmRoot"/>
       </p:par>
     </p:tnLst>
   </p:timing>
@@ -17227,14 +17212,14 @@
           <a:noFill/>
           <a:ln/>
           <a:extLst>
-            <a:ext uri="{909E8E84-426E-40dd-AFC4-6F175D3DCCD1}">
+            <a:ext uri="{909E8E84-426E-40DD-AFC4-6F175D3DCCD1}">
               <a14:hiddenFill xmlns:a14="http://schemas.microsoft.com/office/drawing/2010/main">
                 <a:solidFill>
                   <a:srgbClr val="FFFFFF"/>
                 </a:solidFill>
               </a14:hiddenFill>
             </a:ext>
-            <a:ext uri="{91240B29-F687-4f45-9708-019B960494DF}">
+            <a:ext uri="{91240B29-F687-4F45-9708-019B960494DF}">
               <a14:hiddenLine xmlns:a14="http://schemas.microsoft.com/office/drawing/2010/main" w="9525">
                 <a:solidFill>
                   <a:srgbClr val="000000"/>
@@ -17531,14 +17516,14 @@
           <a:noFill/>
           <a:ln/>
           <a:extLst>
-            <a:ext uri="{909E8E84-426E-40dd-AFC4-6F175D3DCCD1}">
+            <a:ext uri="{909E8E84-426E-40DD-AFC4-6F175D3DCCD1}">
               <a14:hiddenFill xmlns:a14="http://schemas.microsoft.com/office/drawing/2010/main">
                 <a:solidFill>
                   <a:srgbClr val="FFFFFF"/>
                 </a:solidFill>
               </a14:hiddenFill>
             </a:ext>
-            <a:ext uri="{91240B29-F687-4f45-9708-019B960494DF}">
+            <a:ext uri="{91240B29-F687-4F45-9708-019B960494DF}">
               <a14:hiddenLine xmlns:a14="http://schemas.microsoft.com/office/drawing/2010/main" w="9525">
                 <a:solidFill>
                   <a:srgbClr val="000000"/>
@@ -17645,7 +17630,7 @@
               <a:rPr lang="en-US" sz="1200" smtClean="0">
                 <a:latin typeface="Garamond" charset="0"/>
               </a:rPr>
-              <a:t>6/6/16</a:t>
+              <a:t>6/8/2016</a:t>
             </a:fld>
             <a:endParaRPr lang="en-US" sz="1200">
               <a:latin typeface="Garamond" charset="0"/>
@@ -17687,14 +17672,14 @@
             <a:noFill/>
           </a:ln>
           <a:extLst>
-            <a:ext uri="{909E8E84-426E-40dd-AFC4-6F175D3DCCD1}">
+            <a:ext uri="{909E8E84-426E-40DD-AFC4-6F175D3DCCD1}">
               <a14:hiddenFill xmlns:a14="http://schemas.microsoft.com/office/drawing/2010/main">
                 <a:solidFill>
                   <a:schemeClr val="accent1"/>
                 </a:solidFill>
               </a14:hiddenFill>
             </a:ext>
-            <a:ext uri="{91240B29-F687-4f45-9708-019B960494DF}">
+            <a:ext uri="{91240B29-F687-4F45-9708-019B960494DF}">
               <a14:hiddenLine xmlns:a14="http://schemas.microsoft.com/office/drawing/2010/main" w="9525">
                 <a:solidFill>
                   <a:schemeClr val="tx1"/>
@@ -17715,7 +17700,7 @@
   <p:timing>
     <p:tnLst>
       <p:par>
-        <p:cTn xmlns:p14="http://schemas.microsoft.com/office/powerpoint/2010/main" id="1" dur="indefinite" restart="never" nodeType="tmRoot"/>
+        <p:cTn id="1" dur="indefinite" restart="never" nodeType="tmRoot"/>
       </p:par>
     </p:tnLst>
   </p:timing>
@@ -17886,14 +17871,14 @@
           <a:noFill/>
           <a:ln/>
           <a:extLst>
-            <a:ext uri="{909E8E84-426E-40dd-AFC4-6F175D3DCCD1}">
+            <a:ext uri="{909E8E84-426E-40DD-AFC4-6F175D3DCCD1}">
               <a14:hiddenFill xmlns:a14="http://schemas.microsoft.com/office/drawing/2010/main">
                 <a:solidFill>
                   <a:srgbClr val="FFFFFF"/>
                 </a:solidFill>
               </a14:hiddenFill>
             </a:ext>
-            <a:ext uri="{91240B29-F687-4f45-9708-019B960494DF}">
+            <a:ext uri="{91240B29-F687-4F45-9708-019B960494DF}">
               <a14:hiddenLine xmlns:a14="http://schemas.microsoft.com/office/drawing/2010/main" w="9525">
                 <a:solidFill>
                   <a:srgbClr val="000000"/>
@@ -18000,7 +17985,7 @@
               <a:rPr lang="en-US" sz="1200" smtClean="0">
                 <a:latin typeface="Garamond" charset="0"/>
               </a:rPr>
-              <a:t>6/6/16</a:t>
+              <a:t>6/8/2016</a:t>
             </a:fld>
             <a:endParaRPr lang="en-US" sz="1200">
               <a:latin typeface="Garamond" charset="0"/>
@@ -18048,14 +18033,14 @@
           <a:noFill/>
           <a:ln/>
           <a:extLst>
-            <a:ext uri="{909E8E84-426E-40dd-AFC4-6F175D3DCCD1}">
+            <a:ext uri="{909E8E84-426E-40DD-AFC4-6F175D3DCCD1}">
               <a14:hiddenFill xmlns:a14="http://schemas.microsoft.com/office/drawing/2010/main">
                 <a:solidFill>
                   <a:srgbClr val="FFFFFF"/>
                 </a:solidFill>
               </a14:hiddenFill>
             </a:ext>
-            <a:ext uri="{91240B29-F687-4f45-9708-019B960494DF}">
+            <a:ext uri="{91240B29-F687-4F45-9708-019B960494DF}">
               <a14:hiddenLine xmlns:a14="http://schemas.microsoft.com/office/drawing/2010/main" w="9525">
                 <a:solidFill>
                   <a:srgbClr val="000000"/>
@@ -18179,7 +18164,7 @@
   <p:timing>
     <p:tnLst>
       <p:par>
-        <p:cTn xmlns:p14="http://schemas.microsoft.com/office/powerpoint/2010/main" id="1" dur="indefinite" restart="never" nodeType="tmRoot"/>
+        <p:cTn id="1" dur="indefinite" restart="never" nodeType="tmRoot"/>
       </p:par>
     </p:tnLst>
   </p:timing>
@@ -18243,14 +18228,14 @@
           <a:noFill/>
           <a:ln/>
           <a:extLst>
-            <a:ext uri="{909E8E84-426E-40dd-AFC4-6F175D3DCCD1}">
+            <a:ext uri="{909E8E84-426E-40DD-AFC4-6F175D3DCCD1}">
               <a14:hiddenFill xmlns:a14="http://schemas.microsoft.com/office/drawing/2010/main">
                 <a:solidFill>
                   <a:srgbClr val="FFFFFF"/>
                 </a:solidFill>
               </a14:hiddenFill>
             </a:ext>
-            <a:ext uri="{91240B29-F687-4f45-9708-019B960494DF}">
+            <a:ext uri="{91240B29-F687-4F45-9708-019B960494DF}">
               <a14:hiddenLine xmlns:a14="http://schemas.microsoft.com/office/drawing/2010/main" w="9525">
                 <a:solidFill>
                   <a:srgbClr val="000000"/>
@@ -18719,7 +18704,7 @@
         <p:nvPicPr>
           <p:cNvPr id="21509" name="Picture 4"/>
           <p:cNvPicPr>
-            <a:picLocks noChangeAspect="1" noChangeArrowheads="1"/>
+            <a:picLocks noGrp="1" noChangeAspect="1" noChangeArrowheads="1"/>
           </p:cNvPicPr>
           <p:nvPr>
             <p:ph sz="half" idx="2"/>
@@ -18759,14 +18744,14 @@
           <a:noFill/>
           <a:ln/>
           <a:extLst>
-            <a:ext uri="{909E8E84-426E-40dd-AFC4-6F175D3DCCD1}">
+            <a:ext uri="{909E8E84-426E-40DD-AFC4-6F175D3DCCD1}">
               <a14:hiddenFill xmlns:a14="http://schemas.microsoft.com/office/drawing/2010/main">
                 <a:solidFill>
                   <a:srgbClr val="FFFFFF"/>
                 </a:solidFill>
               </a14:hiddenFill>
             </a:ext>
-            <a:ext uri="{91240B29-F687-4f45-9708-019B960494DF}">
+            <a:ext uri="{91240B29-F687-4F45-9708-019B960494DF}">
               <a14:hiddenLine xmlns:a14="http://schemas.microsoft.com/office/drawing/2010/main" w="9525">
                 <a:solidFill>
                   <a:srgbClr val="000000"/>
@@ -18895,7 +18880,7 @@
                 <a:latin typeface="Garamond" charset="0"/>
               </a:rPr>
               <a:pPr eaLnBrk="1" hangingPunct="1"/>
-              <a:t>6/6/16</a:t>
+              <a:t>6/8/2016</a:t>
             </a:fld>
             <a:endParaRPr lang="en-US" sz="1200">
               <a:latin typeface="Garamond" charset="0"/>
@@ -18916,7 +18901,7 @@
   <p:timing>
     <p:tnLst>
       <p:par>
-        <p:cTn xmlns:p14="http://schemas.microsoft.com/office/powerpoint/2010/main" id="1" dur="indefinite" restart="never" nodeType="tmRoot"/>
+        <p:cTn id="1" dur="indefinite" restart="never" nodeType="tmRoot"/>
       </p:par>
     </p:tnLst>
   </p:timing>
@@ -18980,14 +18965,14 @@
           <a:noFill/>
           <a:ln/>
           <a:extLst>
-            <a:ext uri="{909E8E84-426E-40dd-AFC4-6F175D3DCCD1}">
+            <a:ext uri="{909E8E84-426E-40DD-AFC4-6F175D3DCCD1}">
               <a14:hiddenFill xmlns:a14="http://schemas.microsoft.com/office/drawing/2010/main">
                 <a:solidFill>
                   <a:srgbClr val="FFFFFF"/>
                 </a:solidFill>
               </a14:hiddenFill>
             </a:ext>
-            <a:ext uri="{91240B29-F687-4f45-9708-019B960494DF}">
+            <a:ext uri="{91240B29-F687-4F45-9708-019B960494DF}">
               <a14:hiddenLine xmlns:a14="http://schemas.microsoft.com/office/drawing/2010/main" w="9525">
                 <a:solidFill>
                   <a:srgbClr val="000000"/>
@@ -19256,14 +19241,14 @@
           <a:noFill/>
           <a:ln/>
           <a:extLst>
-            <a:ext uri="{909E8E84-426E-40dd-AFC4-6F175D3DCCD1}">
+            <a:ext uri="{909E8E84-426E-40DD-AFC4-6F175D3DCCD1}">
               <a14:hiddenFill xmlns:a14="http://schemas.microsoft.com/office/drawing/2010/main">
                 <a:solidFill>
                   <a:srgbClr val="FFFFFF"/>
                 </a:solidFill>
               </a14:hiddenFill>
             </a:ext>
-            <a:ext uri="{91240B29-F687-4f45-9708-019B960494DF}">
+            <a:ext uri="{91240B29-F687-4F45-9708-019B960494DF}">
               <a14:hiddenLine xmlns:a14="http://schemas.microsoft.com/office/drawing/2010/main" w="9525">
                 <a:solidFill>
                   <a:srgbClr val="000000"/>
@@ -19392,7 +19377,7 @@
                 <a:latin typeface="Garamond" charset="0"/>
               </a:rPr>
               <a:pPr eaLnBrk="1" hangingPunct="1"/>
-              <a:t>6/6/16</a:t>
+              <a:t>6/8/2016</a:t>
             </a:fld>
             <a:endParaRPr lang="en-US" sz="1200">
               <a:latin typeface="Garamond" charset="0"/>
@@ -19434,14 +19419,14 @@
             <a:noFill/>
           </a:ln>
           <a:extLst>
-            <a:ext uri="{909E8E84-426E-40dd-AFC4-6F175D3DCCD1}">
+            <a:ext uri="{909E8E84-426E-40DD-AFC4-6F175D3DCCD1}">
               <a14:hiddenFill xmlns:a14="http://schemas.microsoft.com/office/drawing/2010/main">
                 <a:solidFill>
                   <a:schemeClr val="accent1"/>
                 </a:solidFill>
               </a14:hiddenFill>
             </a:ext>
-            <a:ext uri="{91240B29-F687-4f45-9708-019B960494DF}">
+            <a:ext uri="{91240B29-F687-4F45-9708-019B960494DF}">
               <a14:hiddenLine xmlns:a14="http://schemas.microsoft.com/office/drawing/2010/main" w="9525">
                 <a:solidFill>
                   <a:schemeClr val="tx1"/>
@@ -19467,7 +19452,7 @@
   <p:timing>
     <p:tnLst>
       <p:par>
-        <p:cTn xmlns:p14="http://schemas.microsoft.com/office/powerpoint/2010/main" id="1" dur="indefinite" restart="never" nodeType="tmRoot"/>
+        <p:cTn id="1" dur="indefinite" restart="never" nodeType="tmRoot"/>
       </p:par>
     </p:tnLst>
   </p:timing>
@@ -19678,14 +19663,14 @@
           <a:noFill/>
           <a:ln/>
           <a:extLst>
-            <a:ext uri="{909E8E84-426E-40dd-AFC4-6F175D3DCCD1}">
+            <a:ext uri="{909E8E84-426E-40DD-AFC4-6F175D3DCCD1}">
               <a14:hiddenFill xmlns:a14="http://schemas.microsoft.com/office/drawing/2010/main">
                 <a:solidFill>
                   <a:srgbClr val="FFFFFF"/>
                 </a:solidFill>
               </a14:hiddenFill>
             </a:ext>
-            <a:ext uri="{91240B29-F687-4f45-9708-019B960494DF}">
+            <a:ext uri="{91240B29-F687-4F45-9708-019B960494DF}">
               <a14:hiddenLine xmlns:a14="http://schemas.microsoft.com/office/drawing/2010/main" w="9525">
                 <a:solidFill>
                   <a:srgbClr val="000000"/>
@@ -19792,7 +19777,7 @@
               <a:rPr lang="en-US" sz="1200" smtClean="0">
                 <a:latin typeface="Garamond" charset="0"/>
               </a:rPr>
-              <a:t>6/6/16</a:t>
+              <a:t>6/8/2016</a:t>
             </a:fld>
             <a:endParaRPr lang="en-US" sz="1200">
               <a:latin typeface="Garamond" charset="0"/>
@@ -19840,14 +19825,14 @@
           <a:noFill/>
           <a:ln/>
           <a:extLst>
-            <a:ext uri="{909E8E84-426E-40dd-AFC4-6F175D3DCCD1}">
+            <a:ext uri="{909E8E84-426E-40DD-AFC4-6F175D3DCCD1}">
               <a14:hiddenFill xmlns:a14="http://schemas.microsoft.com/office/drawing/2010/main">
                 <a:solidFill>
                   <a:srgbClr val="FFFFFF"/>
                 </a:solidFill>
               </a14:hiddenFill>
             </a:ext>
-            <a:ext uri="{91240B29-F687-4f45-9708-019B960494DF}">
+            <a:ext uri="{91240B29-F687-4F45-9708-019B960494DF}">
               <a14:hiddenLine xmlns:a14="http://schemas.microsoft.com/office/drawing/2010/main" w="9525">
                 <a:solidFill>
                   <a:srgbClr val="000000"/>
@@ -19971,7 +19956,7 @@
   <p:timing>
     <p:tnLst>
       <p:par>
-        <p:cTn xmlns:p14="http://schemas.microsoft.com/office/powerpoint/2010/main" id="1" dur="indefinite" restart="never" nodeType="tmRoot"/>
+        <p:cTn id="1" dur="indefinite" restart="never" nodeType="tmRoot"/>
       </p:par>
     </p:tnLst>
   </p:timing>
@@ -20215,14 +20200,14 @@
           <a:noFill/>
           <a:ln/>
           <a:extLst>
-            <a:ext uri="{909E8E84-426E-40dd-AFC4-6F175D3DCCD1}">
+            <a:ext uri="{909E8E84-426E-40DD-AFC4-6F175D3DCCD1}">
               <a14:hiddenFill xmlns:a14="http://schemas.microsoft.com/office/drawing/2010/main">
                 <a:solidFill>
                   <a:srgbClr val="FFFFFF"/>
                 </a:solidFill>
               </a14:hiddenFill>
             </a:ext>
-            <a:ext uri="{91240B29-F687-4f45-9708-019B960494DF}">
+            <a:ext uri="{91240B29-F687-4F45-9708-019B960494DF}">
               <a14:hiddenLine xmlns:a14="http://schemas.microsoft.com/office/drawing/2010/main" w="9525">
                 <a:solidFill>
                   <a:srgbClr val="000000"/>
@@ -20351,7 +20336,7 @@
                 <a:latin typeface="Garamond" charset="0"/>
               </a:rPr>
               <a:pPr eaLnBrk="1" hangingPunct="1"/>
-              <a:t>6/6/16</a:t>
+              <a:t>6/8/2016</a:t>
             </a:fld>
             <a:endParaRPr lang="en-US" sz="1200">
               <a:latin typeface="Garamond" charset="0"/>
@@ -20381,7 +20366,6 @@
               <a:rPr lang="en-US"/>
               <a:t>Microprocessors I:  Lecture 20</a:t>
             </a:r>
-            <a:endParaRPr lang="en-US"/>
           </a:p>
         </p:txBody>
       </p:sp>
@@ -20399,14 +20383,14 @@
           <a:noFill/>
           <a:ln/>
           <a:extLst>
-            <a:ext uri="{909E8E84-426E-40dd-AFC4-6F175D3DCCD1}">
+            <a:ext uri="{909E8E84-426E-40DD-AFC4-6F175D3DCCD1}">
               <a14:hiddenFill xmlns:a14="http://schemas.microsoft.com/office/drawing/2010/main">
                 <a:solidFill>
                   <a:srgbClr val="FFFFFF"/>
                 </a:solidFill>
               </a14:hiddenFill>
             </a:ext>
-            <a:ext uri="{91240B29-F687-4f45-9708-019B960494DF}">
+            <a:ext uri="{91240B29-F687-4F45-9708-019B960494DF}">
               <a14:hiddenLine xmlns:a14="http://schemas.microsoft.com/office/drawing/2010/main" w="9525">
                 <a:solidFill>
                   <a:srgbClr val="000000"/>
@@ -20556,7 +20540,7 @@
   <p:timing>
     <p:tnLst>
       <p:par>
-        <p:cTn xmlns:p14="http://schemas.microsoft.com/office/powerpoint/2010/main" id="1" dur="indefinite" restart="never" nodeType="tmRoot"/>
+        <p:cTn id="1" dur="indefinite" restart="never" nodeType="tmRoot"/>
       </p:par>
     </p:tnLst>
   </p:timing>
@@ -20602,7 +20586,6 @@
               <a:rPr lang="en-US"/>
               <a:t>Microprocessors I:  Lecture 20</a:t>
             </a:r>
-            <a:endParaRPr lang="en-US"/>
           </a:p>
         </p:txBody>
       </p:sp>
@@ -20620,14 +20603,14 @@
           <a:noFill/>
           <a:ln/>
           <a:extLst>
-            <a:ext uri="{909E8E84-426E-40dd-AFC4-6F175D3DCCD1}">
+            <a:ext uri="{909E8E84-426E-40DD-AFC4-6F175D3DCCD1}">
               <a14:hiddenFill xmlns:a14="http://schemas.microsoft.com/office/drawing/2010/main">
                 <a:solidFill>
                   <a:srgbClr val="FFFFFF"/>
                 </a:solidFill>
               </a14:hiddenFill>
             </a:ext>
-            <a:ext uri="{91240B29-F687-4f45-9708-019B960494DF}">
+            <a:ext uri="{91240B29-F687-4F45-9708-019B960494DF}">
               <a14:hiddenLine xmlns:a14="http://schemas.microsoft.com/office/drawing/2010/main" w="9525">
                 <a:solidFill>
                   <a:srgbClr val="000000"/>
@@ -20778,14 +20761,14 @@
           <a:noFill/>
           <a:ln/>
           <a:extLst>
-            <a:ext uri="{909E8E84-426E-40dd-AFC4-6F175D3DCCD1}">
+            <a:ext uri="{909E8E84-426E-40DD-AFC4-6F175D3DCCD1}">
               <a14:hiddenFill xmlns:a14="http://schemas.microsoft.com/office/drawing/2010/main">
                 <a:solidFill>
                   <a:srgbClr val="FFFFFF"/>
                 </a:solidFill>
               </a14:hiddenFill>
             </a:ext>
-            <a:ext uri="{91240B29-F687-4f45-9708-019B960494DF}">
+            <a:ext uri="{91240B29-F687-4F45-9708-019B960494DF}">
               <a14:hiddenLine xmlns:a14="http://schemas.microsoft.com/office/drawing/2010/main" w="9525">
                 <a:solidFill>
                   <a:srgbClr val="000000"/>
@@ -20914,7 +20897,7 @@
                 <a:latin typeface="Garamond" charset="0"/>
               </a:rPr>
               <a:pPr eaLnBrk="1" hangingPunct="1"/>
-              <a:t>6/6/16</a:t>
+              <a:t>6/8/2016</a:t>
             </a:fld>
             <a:endParaRPr lang="en-US" sz="1200">
               <a:latin typeface="Garamond" charset="0"/>
@@ -20931,7 +20914,7 @@
           <p:nvPr/>
         </p:nvPicPr>
         <p:blipFill>
-          <a:blip r:embed="rId2">
+          <a:blip r:embed="rId2" cstate="email">
             <a:extLst>
               <a:ext uri="{28A0092B-C50C-407E-A947-70E740481C1C}">
                 <a14:useLocalDpi xmlns:a14="http://schemas.microsoft.com/office/drawing/2010/main" val="0"/>
@@ -20956,14 +20939,14 @@
             <a:noFill/>
           </a:ln>
           <a:extLst>
-            <a:ext uri="{909E8E84-426E-40dd-AFC4-6F175D3DCCD1}">
+            <a:ext uri="{909E8E84-426E-40DD-AFC4-6F175D3DCCD1}">
               <a14:hiddenFill xmlns:a14="http://schemas.microsoft.com/office/drawing/2010/main">
                 <a:solidFill>
                   <a:schemeClr val="accent1"/>
                 </a:solidFill>
               </a14:hiddenFill>
             </a:ext>
-            <a:ext uri="{91240B29-F687-4f45-9708-019B960494DF}">
+            <a:ext uri="{91240B29-F687-4F45-9708-019B960494DF}">
               <a14:hiddenLine xmlns:a14="http://schemas.microsoft.com/office/drawing/2010/main" w="9525">
                 <a:solidFill>
                   <a:schemeClr val="tx1"/>
@@ -20989,7 +20972,7 @@
   <p:timing>
     <p:tnLst>
       <p:par>
-        <p:cTn xmlns:p14="http://schemas.microsoft.com/office/powerpoint/2010/main" id="1" dur="indefinite" restart="never" nodeType="tmRoot"/>
+        <p:cTn id="1" dur="indefinite" restart="never" nodeType="tmRoot"/>
       </p:par>
     </p:tnLst>
   </p:timing>
@@ -21027,14 +21010,14 @@
           <a:noFill/>
           <a:ln/>
           <a:extLst>
-            <a:ext uri="{909E8E84-426E-40dd-AFC4-6F175D3DCCD1}">
+            <a:ext uri="{909E8E84-426E-40DD-AFC4-6F175D3DCCD1}">
               <a14:hiddenFill xmlns:a14="http://schemas.microsoft.com/office/drawing/2010/main">
                 <a:solidFill>
                   <a:srgbClr val="FFFFFF"/>
                 </a:solidFill>
               </a14:hiddenFill>
             </a:ext>
-            <a:ext uri="{91240B29-F687-4f45-9708-019B960494DF}">
+            <a:ext uri="{91240B29-F687-4F45-9708-019B960494DF}">
               <a14:hiddenLine xmlns:a14="http://schemas.microsoft.com/office/drawing/2010/main" w="9525">
                 <a:solidFill>
                   <a:srgbClr val="000000"/>
@@ -21163,7 +21146,7 @@
                 <a:latin typeface="Garamond" charset="0"/>
               </a:rPr>
               <a:pPr eaLnBrk="1" hangingPunct="1"/>
-              <a:t>6/6/16</a:t>
+              <a:t>6/8/2016</a:t>
             </a:fld>
             <a:endParaRPr lang="en-US" sz="1200">
               <a:latin typeface="Garamond" charset="0"/>
@@ -21193,7 +21176,6 @@
               <a:rPr lang="en-US" altLang="en-US"/>
               <a:t>Microprocessors I:  Lecture 20</a:t>
             </a:r>
-            <a:endParaRPr lang="en-US" altLang="en-US"/>
           </a:p>
         </p:txBody>
       </p:sp>
@@ -21211,14 +21193,14 @@
           <a:noFill/>
           <a:ln/>
           <a:extLst>
-            <a:ext uri="{909E8E84-426E-40dd-AFC4-6F175D3DCCD1}">
+            <a:ext uri="{909E8E84-426E-40DD-AFC4-6F175D3DCCD1}">
               <a14:hiddenFill xmlns:a14="http://schemas.microsoft.com/office/drawing/2010/main">
                 <a:solidFill>
                   <a:srgbClr val="FFFFFF"/>
                 </a:solidFill>
               </a14:hiddenFill>
             </a:ext>
-            <a:ext uri="{91240B29-F687-4f45-9708-019B960494DF}">
+            <a:ext uri="{91240B29-F687-4F45-9708-019B960494DF}">
               <a14:hiddenLine xmlns:a14="http://schemas.microsoft.com/office/drawing/2010/main" w="9525">
                 <a:solidFill>
                   <a:srgbClr val="000000"/>
@@ -21389,14 +21371,14 @@
             <a:noFill/>
           </a:ln>
           <a:extLst>
-            <a:ext uri="{909E8E84-426E-40dd-AFC4-6F175D3DCCD1}">
+            <a:ext uri="{909E8E84-426E-40DD-AFC4-6F175D3DCCD1}">
               <a14:hiddenFill xmlns:a14="http://schemas.microsoft.com/office/drawing/2010/main">
                 <a:solidFill>
                   <a:schemeClr val="accent1"/>
                 </a:solidFill>
               </a14:hiddenFill>
             </a:ext>
-            <a:ext uri="{91240B29-F687-4f45-9708-019B960494DF}">
+            <a:ext uri="{91240B29-F687-4F45-9708-019B960494DF}">
               <a14:hiddenLine xmlns:a14="http://schemas.microsoft.com/office/drawing/2010/main" w="9525">
                 <a:solidFill>
                   <a:schemeClr val="tx1"/>
@@ -21422,7 +21404,7 @@
   <p:timing>
     <p:tnLst>
       <p:par>
-        <p:cTn xmlns:p14="http://schemas.microsoft.com/office/powerpoint/2010/main" id="1" dur="indefinite" restart="never" nodeType="tmRoot"/>
+        <p:cTn id="1" dur="indefinite" restart="never" nodeType="tmRoot"/>
       </p:par>
     </p:tnLst>
   </p:timing>
@@ -21468,7 +21450,6 @@
               <a:rPr lang="en-US"/>
               <a:t>Microprocessors I:  Lecture 20</a:t>
             </a:r>
-            <a:endParaRPr lang="en-US"/>
           </a:p>
         </p:txBody>
       </p:sp>
@@ -21486,14 +21467,14 @@
           <a:noFill/>
           <a:ln/>
           <a:extLst>
-            <a:ext uri="{909E8E84-426E-40dd-AFC4-6F175D3DCCD1}">
+            <a:ext uri="{909E8E84-426E-40DD-AFC4-6F175D3DCCD1}">
               <a14:hiddenFill xmlns:a14="http://schemas.microsoft.com/office/drawing/2010/main">
                 <a:solidFill>
                   <a:srgbClr val="FFFFFF"/>
                 </a:solidFill>
               </a14:hiddenFill>
             </a:ext>
-            <a:ext uri="{91240B29-F687-4f45-9708-019B960494DF}">
+            <a:ext uri="{91240B29-F687-4F45-9708-019B960494DF}">
               <a14:hiddenLine xmlns:a14="http://schemas.microsoft.com/office/drawing/2010/main" w="9525">
                 <a:solidFill>
                   <a:srgbClr val="000000"/>
@@ -21924,14 +21905,14 @@
           </a:ln>
           <a:effectLst/>
           <a:extLst>
-            <a:ext uri="{909E8E84-426E-40dd-AFC4-6F175D3DCCD1}">
+            <a:ext uri="{909E8E84-426E-40DD-AFC4-6F175D3DCCD1}">
               <a14:hiddenFill xmlns:a14="http://schemas.microsoft.com/office/drawing/2010/main">
                 <a:solidFill>
                   <a:schemeClr val="accent1"/>
                 </a:solidFill>
               </a14:hiddenFill>
             </a:ext>
-            <a:ext uri="{91240B29-F687-4f45-9708-019B960494DF}">
+            <a:ext uri="{91240B29-F687-4F45-9708-019B960494DF}">
               <a14:hiddenLine xmlns:a14="http://schemas.microsoft.com/office/drawing/2010/main" w="9525">
                 <a:solidFill>
                   <a:schemeClr val="tx1"/>
@@ -21941,7 +21922,7 @@
                 <a:tailEnd/>
               </a14:hiddenLine>
             </a:ext>
-            <a:ext uri="{AF507438-7753-43e0-B8FC-AC1667EBCBE1}">
+            <a:ext uri="{AF507438-7753-43E0-B8FC-AC1667EBCBE1}">
               <a14:hiddenEffects xmlns:a14="http://schemas.microsoft.com/office/drawing/2010/main">
                 <a:effectLst>
                   <a:outerShdw blurRad="63500" dist="38099" dir="2700000" algn="ctr" rotWithShape="0">
@@ -22217,14 +22198,14 @@
           </a:ln>
           <a:effectLst/>
           <a:extLst>
-            <a:ext uri="{909E8E84-426E-40dd-AFC4-6F175D3DCCD1}">
+            <a:ext uri="{909E8E84-426E-40DD-AFC4-6F175D3DCCD1}">
               <a14:hiddenFill xmlns:a14="http://schemas.microsoft.com/office/drawing/2010/main">
                 <a:solidFill>
                   <a:schemeClr val="accent1"/>
                 </a:solidFill>
               </a14:hiddenFill>
             </a:ext>
-            <a:ext uri="{AF507438-7753-43e0-B8FC-AC1667EBCBE1}">
+            <a:ext uri="{AF507438-7753-43E0-B8FC-AC1667EBCBE1}">
               <a14:hiddenEffects xmlns:a14="http://schemas.microsoft.com/office/drawing/2010/main">
                 <a:effectLst>
                   <a:outerShdw blurRad="63500" dist="38099" dir="2700000" algn="ctr" rotWithShape="0">
@@ -22337,14 +22318,14 @@
           <a:noFill/>
           <a:ln/>
           <a:extLst>
-            <a:ext uri="{909E8E84-426E-40dd-AFC4-6F175D3DCCD1}">
+            <a:ext uri="{909E8E84-426E-40DD-AFC4-6F175D3DCCD1}">
               <a14:hiddenFill xmlns:a14="http://schemas.microsoft.com/office/drawing/2010/main">
                 <a:solidFill>
                   <a:srgbClr val="FFFFFF"/>
                 </a:solidFill>
               </a14:hiddenFill>
             </a:ext>
-            <a:ext uri="{91240B29-F687-4f45-9708-019B960494DF}">
+            <a:ext uri="{91240B29-F687-4F45-9708-019B960494DF}">
               <a14:hiddenLine xmlns:a14="http://schemas.microsoft.com/office/drawing/2010/main" w="9525">
                 <a:solidFill>
                   <a:srgbClr val="000000"/>
@@ -22473,7 +22454,7 @@
                 <a:latin typeface="Garamond" charset="0"/>
               </a:rPr>
               <a:pPr eaLnBrk="1" hangingPunct="1"/>
-              <a:t>6/6/16</a:t>
+              <a:t>6/8/2016</a:t>
             </a:fld>
             <a:endParaRPr lang="en-US" sz="1200">
               <a:latin typeface="Garamond" charset="0"/>
@@ -22494,7 +22475,7 @@
   <p:timing>
     <p:tnLst>
       <p:par>
-        <p:cTn xmlns:p14="http://schemas.microsoft.com/office/powerpoint/2010/main" id="1" dur="indefinite" restart="never" nodeType="tmRoot"/>
+        <p:cTn id="1" dur="indefinite" restart="never" nodeType="tmRoot"/>
       </p:par>
     </p:tnLst>
   </p:timing>
@@ -22540,7 +22521,6 @@
               <a:rPr lang="en-US"/>
               <a:t>Microprocessors I:  Lecture 20</a:t>
             </a:r>
-            <a:endParaRPr lang="en-US"/>
           </a:p>
         </p:txBody>
       </p:sp>
@@ -22558,14 +22538,14 @@
           <a:noFill/>
           <a:ln/>
           <a:extLst>
-            <a:ext uri="{909E8E84-426E-40dd-AFC4-6F175D3DCCD1}">
+            <a:ext uri="{909E8E84-426E-40DD-AFC4-6F175D3DCCD1}">
               <a14:hiddenFill xmlns:a14="http://schemas.microsoft.com/office/drawing/2010/main">
                 <a:solidFill>
                   <a:srgbClr val="FFFFFF"/>
                 </a:solidFill>
               </a14:hiddenFill>
             </a:ext>
-            <a:ext uri="{91240B29-F687-4f45-9708-019B960494DF}">
+            <a:ext uri="{91240B29-F687-4F45-9708-019B960494DF}">
               <a14:hiddenLine xmlns:a14="http://schemas.microsoft.com/office/drawing/2010/main" w="9525">
                 <a:solidFill>
                   <a:srgbClr val="000000"/>
@@ -22828,14 +22808,14 @@
           </a:ln>
           <a:effectLst/>
           <a:extLst>
-            <a:ext uri="{909E8E84-426E-40dd-AFC4-6F175D3DCCD1}">
+            <a:ext uri="{909E8E84-426E-40DD-AFC4-6F175D3DCCD1}">
               <a14:hiddenFill xmlns:a14="http://schemas.microsoft.com/office/drawing/2010/main">
                 <a:solidFill>
                   <a:schemeClr val="accent1"/>
                 </a:solidFill>
               </a14:hiddenFill>
             </a:ext>
-            <a:ext uri="{91240B29-F687-4f45-9708-019B960494DF}">
+            <a:ext uri="{91240B29-F687-4F45-9708-019B960494DF}">
               <a14:hiddenLine xmlns:a14="http://schemas.microsoft.com/office/drawing/2010/main" w="9525">
                 <a:solidFill>
                   <a:schemeClr val="tx1"/>
@@ -22845,7 +22825,7 @@
                 <a:tailEnd/>
               </a14:hiddenLine>
             </a:ext>
-            <a:ext uri="{AF507438-7753-43e0-B8FC-AC1667EBCBE1}">
+            <a:ext uri="{AF507438-7753-43E0-B8FC-AC1667EBCBE1}">
               <a14:hiddenEffects xmlns:a14="http://schemas.microsoft.com/office/drawing/2010/main">
                 <a:effectLst>
                   <a:outerShdw blurRad="63500" dist="38099" dir="2700000" algn="ctr" rotWithShape="0">
@@ -22996,14 +22976,14 @@
           </a:ln>
           <a:effectLst/>
           <a:extLst>
-            <a:ext uri="{909E8E84-426E-40dd-AFC4-6F175D3DCCD1}">
+            <a:ext uri="{909E8E84-426E-40DD-AFC4-6F175D3DCCD1}">
               <a14:hiddenFill xmlns:a14="http://schemas.microsoft.com/office/drawing/2010/main">
                 <a:solidFill>
                   <a:schemeClr val="accent1"/>
                 </a:solidFill>
               </a14:hiddenFill>
             </a:ext>
-            <a:ext uri="{AF507438-7753-43e0-B8FC-AC1667EBCBE1}">
+            <a:ext uri="{AF507438-7753-43E0-B8FC-AC1667EBCBE1}">
               <a14:hiddenEffects xmlns:a14="http://schemas.microsoft.com/office/drawing/2010/main">
                 <a:effectLst>
                   <a:outerShdw blurRad="63500" dist="38099" dir="2700000" algn="ctr" rotWithShape="0">
@@ -23084,14 +23064,14 @@
           <a:noFill/>
           <a:ln/>
           <a:extLst>
-            <a:ext uri="{909E8E84-426E-40dd-AFC4-6F175D3DCCD1}">
+            <a:ext uri="{909E8E84-426E-40DD-AFC4-6F175D3DCCD1}">
               <a14:hiddenFill xmlns:a14="http://schemas.microsoft.com/office/drawing/2010/main">
                 <a:solidFill>
                   <a:srgbClr val="FFFFFF"/>
                 </a:solidFill>
               </a14:hiddenFill>
             </a:ext>
-            <a:ext uri="{91240B29-F687-4f45-9708-019B960494DF}">
+            <a:ext uri="{91240B29-F687-4F45-9708-019B960494DF}">
               <a14:hiddenLine xmlns:a14="http://schemas.microsoft.com/office/drawing/2010/main" w="9525">
                 <a:solidFill>
                   <a:srgbClr val="000000"/>
@@ -23220,7 +23200,7 @@
                 <a:latin typeface="Garamond" charset="0"/>
               </a:rPr>
               <a:pPr eaLnBrk="1" hangingPunct="1"/>
-              <a:t>6/6/16</a:t>
+              <a:t>6/8/2016</a:t>
             </a:fld>
             <a:endParaRPr lang="en-US" sz="1200">
               <a:latin typeface="Garamond" charset="0"/>
@@ -23241,7 +23221,7 @@
   <p:timing>
     <p:tnLst>
       <p:par>
-        <p:cTn xmlns:p14="http://schemas.microsoft.com/office/powerpoint/2010/main" id="1" dur="indefinite" restart="never" nodeType="tmRoot"/>
+        <p:cTn id="1" dur="indefinite" restart="never" nodeType="tmRoot"/>
       </p:par>
     </p:tnLst>
   </p:timing>
@@ -23647,14 +23627,14 @@
           <a:noFill/>
           <a:ln/>
           <a:extLst>
-            <a:ext uri="{909E8E84-426E-40dd-AFC4-6F175D3DCCD1}">
+            <a:ext uri="{909E8E84-426E-40DD-AFC4-6F175D3DCCD1}">
               <a14:hiddenFill xmlns:a14="http://schemas.microsoft.com/office/drawing/2010/main">
                 <a:solidFill>
                   <a:srgbClr val="FFFFFF"/>
                 </a:solidFill>
               </a14:hiddenFill>
             </a:ext>
-            <a:ext uri="{91240B29-F687-4f45-9708-019B960494DF}">
+            <a:ext uri="{91240B29-F687-4F45-9708-019B960494DF}">
               <a14:hiddenLine xmlns:a14="http://schemas.microsoft.com/office/drawing/2010/main" w="9525">
                 <a:solidFill>
                   <a:srgbClr val="000000"/>
@@ -23783,7 +23763,7 @@
                 <a:latin typeface="Garamond" charset="0"/>
               </a:rPr>
               <a:pPr eaLnBrk="1" hangingPunct="1"/>
-              <a:t>6/6/16</a:t>
+              <a:t>6/8/2016</a:t>
             </a:fld>
             <a:endParaRPr lang="en-US" sz="1200">
               <a:latin typeface="Garamond" charset="0"/>
@@ -23813,7 +23793,6 @@
               <a:rPr lang="en-US"/>
               <a:t>Microprocessors I:  Lecture 20</a:t>
             </a:r>
-            <a:endParaRPr lang="en-US"/>
           </a:p>
         </p:txBody>
       </p:sp>
@@ -23831,14 +23810,14 @@
           <a:noFill/>
           <a:ln/>
           <a:extLst>
-            <a:ext uri="{909E8E84-426E-40dd-AFC4-6F175D3DCCD1}">
+            <a:ext uri="{909E8E84-426E-40DD-AFC4-6F175D3DCCD1}">
               <a14:hiddenFill xmlns:a14="http://schemas.microsoft.com/office/drawing/2010/main">
                 <a:solidFill>
                   <a:srgbClr val="FFFFFF"/>
                 </a:solidFill>
               </a14:hiddenFill>
             </a:ext>
-            <a:ext uri="{91240B29-F687-4f45-9708-019B960494DF}">
+            <a:ext uri="{91240B29-F687-4F45-9708-019B960494DF}">
               <a14:hiddenLine xmlns:a14="http://schemas.microsoft.com/office/drawing/2010/main" w="9525">
                 <a:solidFill>
                   <a:srgbClr val="000000"/>
@@ -23988,7 +23967,7 @@
   <p:timing>
     <p:tnLst>
       <p:par>
-        <p:cTn xmlns:p14="http://schemas.microsoft.com/office/powerpoint/2010/main" id="1" dur="indefinite" restart="never" nodeType="tmRoot"/>
+        <p:cTn id="1" dur="indefinite" restart="never" nodeType="tmRoot"/>
       </p:par>
     </p:tnLst>
   </p:timing>
@@ -24746,14 +24725,14 @@
           <a:noFill/>
           <a:ln/>
           <a:extLst>
-            <a:ext uri="{909E8E84-426E-40dd-AFC4-6F175D3DCCD1}">
+            <a:ext uri="{909E8E84-426E-40DD-AFC4-6F175D3DCCD1}">
               <a14:hiddenFill xmlns:a14="http://schemas.microsoft.com/office/drawing/2010/main">
                 <a:solidFill>
                   <a:srgbClr val="FFFFFF"/>
                 </a:solidFill>
               </a14:hiddenFill>
             </a:ext>
-            <a:ext uri="{91240B29-F687-4f45-9708-019B960494DF}">
+            <a:ext uri="{91240B29-F687-4F45-9708-019B960494DF}">
               <a14:hiddenLine xmlns:a14="http://schemas.microsoft.com/office/drawing/2010/main" w="9525">
                 <a:solidFill>
                   <a:srgbClr val="000000"/>
@@ -24882,7 +24861,7 @@
                 <a:latin typeface="Garamond" charset="0"/>
               </a:rPr>
               <a:pPr eaLnBrk="1" hangingPunct="1"/>
-              <a:t>6/6/16</a:t>
+              <a:t>6/8/2016</a:t>
             </a:fld>
             <a:endParaRPr lang="en-US" sz="1200">
               <a:latin typeface="Garamond" charset="0"/>
@@ -24912,7 +24891,6 @@
               <a:rPr lang="en-US"/>
               <a:t>Microprocessors I:  Lecture 20</a:t>
             </a:r>
-            <a:endParaRPr lang="en-US"/>
           </a:p>
         </p:txBody>
       </p:sp>
@@ -24930,14 +24908,14 @@
           <a:noFill/>
           <a:ln/>
           <a:extLst>
-            <a:ext uri="{909E8E84-426E-40dd-AFC4-6F175D3DCCD1}">
+            <a:ext uri="{909E8E84-426E-40DD-AFC4-6F175D3DCCD1}">
               <a14:hiddenFill xmlns:a14="http://schemas.microsoft.com/office/drawing/2010/main">
                 <a:solidFill>
                   <a:srgbClr val="FFFFFF"/>
                 </a:solidFill>
               </a14:hiddenFill>
             </a:ext>
-            <a:ext uri="{91240B29-F687-4f45-9708-019B960494DF}">
+            <a:ext uri="{91240B29-F687-4F45-9708-019B960494DF}">
               <a14:hiddenLine xmlns:a14="http://schemas.microsoft.com/office/drawing/2010/main" w="9525">
                 <a:solidFill>
                   <a:srgbClr val="000000"/>
@@ -25087,7 +25065,7 @@
   <p:timing>
     <p:tnLst>
       <p:par>
-        <p:cTn xmlns:p14="http://schemas.microsoft.com/office/powerpoint/2010/main" id="1" dur="indefinite" restart="never" nodeType="tmRoot"/>
+        <p:cTn id="1" dur="indefinite" restart="never" nodeType="tmRoot"/>
       </p:par>
     </p:tnLst>
   </p:timing>
@@ -25133,7 +25111,6 @@
               <a:rPr lang="en-US"/>
               <a:t>Microprocessors I:  Lecture 20</a:t>
             </a:r>
-            <a:endParaRPr lang="en-US"/>
           </a:p>
         </p:txBody>
       </p:sp>
@@ -25151,14 +25128,14 @@
           <a:noFill/>
           <a:ln/>
           <a:extLst>
-            <a:ext uri="{909E8E84-426E-40dd-AFC4-6F175D3DCCD1}">
+            <a:ext uri="{909E8E84-426E-40DD-AFC4-6F175D3DCCD1}">
               <a14:hiddenFill xmlns:a14="http://schemas.microsoft.com/office/drawing/2010/main">
                 <a:solidFill>
                   <a:srgbClr val="FFFFFF"/>
                 </a:solidFill>
               </a14:hiddenFill>
             </a:ext>
-            <a:ext uri="{91240B29-F687-4f45-9708-019B960494DF}">
+            <a:ext uri="{91240B29-F687-4F45-9708-019B960494DF}">
               <a14:hiddenLine xmlns:a14="http://schemas.microsoft.com/office/drawing/2010/main" w="9525">
                 <a:solidFill>
                   <a:srgbClr val="000000"/>
@@ -25476,14 +25453,14 @@
           </a:ln>
           <a:effectLst/>
           <a:extLst>
-            <a:ext uri="{909E8E84-426E-40dd-AFC4-6F175D3DCCD1}">
+            <a:ext uri="{909E8E84-426E-40DD-AFC4-6F175D3DCCD1}">
               <a14:hiddenFill xmlns:a14="http://schemas.microsoft.com/office/drawing/2010/main">
                 <a:solidFill>
                   <a:schemeClr val="accent1"/>
                 </a:solidFill>
               </a14:hiddenFill>
             </a:ext>
-            <a:ext uri="{91240B29-F687-4f45-9708-019B960494DF}">
+            <a:ext uri="{91240B29-F687-4F45-9708-019B960494DF}">
               <a14:hiddenLine xmlns:a14="http://schemas.microsoft.com/office/drawing/2010/main" w="9525">
                 <a:solidFill>
                   <a:schemeClr val="tx1"/>
@@ -25493,7 +25470,7 @@
                 <a:tailEnd/>
               </a14:hiddenLine>
             </a:ext>
-            <a:ext uri="{AF507438-7753-43e0-B8FC-AC1667EBCBE1}">
+            <a:ext uri="{AF507438-7753-43E0-B8FC-AC1667EBCBE1}">
               <a14:hiddenEffects xmlns:a14="http://schemas.microsoft.com/office/drawing/2010/main">
                 <a:effectLst>
                   <a:outerShdw blurRad="63500" dist="38099" dir="2700000" algn="ctr" rotWithShape="0">
@@ -25625,14 +25602,14 @@
           </a:ln>
           <a:effectLst/>
           <a:extLst>
-            <a:ext uri="{909E8E84-426E-40dd-AFC4-6F175D3DCCD1}">
+            <a:ext uri="{909E8E84-426E-40DD-AFC4-6F175D3DCCD1}">
               <a14:hiddenFill xmlns:a14="http://schemas.microsoft.com/office/drawing/2010/main">
                 <a:solidFill>
                   <a:schemeClr val="accent1"/>
                 </a:solidFill>
               </a14:hiddenFill>
             </a:ext>
-            <a:ext uri="{AF507438-7753-43e0-B8FC-AC1667EBCBE1}">
+            <a:ext uri="{AF507438-7753-43E0-B8FC-AC1667EBCBE1}">
               <a14:hiddenEffects xmlns:a14="http://schemas.microsoft.com/office/drawing/2010/main">
                 <a:effectLst>
                   <a:outerShdw blurRad="63500" dist="38099" dir="2700000" algn="ctr" rotWithShape="0">
@@ -25713,14 +25690,14 @@
           <a:noFill/>
           <a:ln/>
           <a:extLst>
-            <a:ext uri="{909E8E84-426E-40dd-AFC4-6F175D3DCCD1}">
+            <a:ext uri="{909E8E84-426E-40DD-AFC4-6F175D3DCCD1}">
               <a14:hiddenFill xmlns:a14="http://schemas.microsoft.com/office/drawing/2010/main">
                 <a:solidFill>
                   <a:srgbClr val="FFFFFF"/>
                 </a:solidFill>
               </a14:hiddenFill>
             </a:ext>
-            <a:ext uri="{91240B29-F687-4f45-9708-019B960494DF}">
+            <a:ext uri="{91240B29-F687-4F45-9708-019B960494DF}">
               <a14:hiddenLine xmlns:a14="http://schemas.microsoft.com/office/drawing/2010/main" w="9525">
                 <a:solidFill>
                   <a:srgbClr val="000000"/>
@@ -25849,7 +25826,7 @@
                 <a:latin typeface="Garamond" charset="0"/>
               </a:rPr>
               <a:pPr eaLnBrk="1" hangingPunct="1"/>
-              <a:t>6/6/16</a:t>
+              <a:t>6/8/2016</a:t>
             </a:fld>
             <a:endParaRPr lang="en-US" sz="1200">
               <a:latin typeface="Garamond" charset="0"/>
@@ -25870,7 +25847,7 @@
   <p:timing>
     <p:tnLst>
       <p:par>
-        <p:cTn xmlns:p14="http://schemas.microsoft.com/office/powerpoint/2010/main" id="1" dur="indefinite" restart="never" nodeType="tmRoot"/>
+        <p:cTn id="1" dur="indefinite" restart="never" nodeType="tmRoot"/>
       </p:par>
     </p:tnLst>
   </p:timing>
@@ -25916,7 +25893,6 @@
               <a:rPr lang="en-US"/>
               <a:t>Microprocessors I:  Lecture 20</a:t>
             </a:r>
-            <a:endParaRPr lang="en-US"/>
           </a:p>
         </p:txBody>
       </p:sp>
@@ -25934,14 +25910,14 @@
           <a:noFill/>
           <a:ln/>
           <a:extLst>
-            <a:ext uri="{909E8E84-426E-40dd-AFC4-6F175D3DCCD1}">
+            <a:ext uri="{909E8E84-426E-40DD-AFC4-6F175D3DCCD1}">
               <a14:hiddenFill xmlns:a14="http://schemas.microsoft.com/office/drawing/2010/main">
                 <a:solidFill>
                   <a:srgbClr val="FFFFFF"/>
                 </a:solidFill>
               </a14:hiddenFill>
             </a:ext>
-            <a:ext uri="{91240B29-F687-4f45-9708-019B960494DF}">
+            <a:ext uri="{91240B29-F687-4F45-9708-019B960494DF}">
               <a14:hiddenLine xmlns:a14="http://schemas.microsoft.com/office/drawing/2010/main" w="9525">
                 <a:solidFill>
                   <a:srgbClr val="000000"/>
@@ -26266,14 +26242,14 @@
           </a:ln>
           <a:effectLst/>
           <a:extLst>
-            <a:ext uri="{909E8E84-426E-40dd-AFC4-6F175D3DCCD1}">
+            <a:ext uri="{909E8E84-426E-40DD-AFC4-6F175D3DCCD1}">
               <a14:hiddenFill xmlns:a14="http://schemas.microsoft.com/office/drawing/2010/main">
                 <a:solidFill>
                   <a:schemeClr val="accent1"/>
                 </a:solidFill>
               </a14:hiddenFill>
             </a:ext>
-            <a:ext uri="{91240B29-F687-4f45-9708-019B960494DF}">
+            <a:ext uri="{91240B29-F687-4F45-9708-019B960494DF}">
               <a14:hiddenLine xmlns:a14="http://schemas.microsoft.com/office/drawing/2010/main" w="9525">
                 <a:solidFill>
                   <a:schemeClr val="tx1"/>
@@ -26283,7 +26259,7 @@
                 <a:tailEnd/>
               </a14:hiddenLine>
             </a:ext>
-            <a:ext uri="{AF507438-7753-43e0-B8FC-AC1667EBCBE1}">
+            <a:ext uri="{AF507438-7753-43E0-B8FC-AC1667EBCBE1}">
               <a14:hiddenEffects xmlns:a14="http://schemas.microsoft.com/office/drawing/2010/main">
                 <a:effectLst>
                   <a:outerShdw blurRad="63500" dist="38099" dir="2700000" algn="ctr" rotWithShape="0">
@@ -26481,14 +26457,14 @@
           </a:ln>
           <a:effectLst/>
           <a:extLst>
-            <a:ext uri="{909E8E84-426E-40dd-AFC4-6F175D3DCCD1}">
+            <a:ext uri="{909E8E84-426E-40DD-AFC4-6F175D3DCCD1}">
               <a14:hiddenFill xmlns:a14="http://schemas.microsoft.com/office/drawing/2010/main">
                 <a:solidFill>
                   <a:schemeClr val="accent1"/>
                 </a:solidFill>
               </a14:hiddenFill>
             </a:ext>
-            <a:ext uri="{AF507438-7753-43e0-B8FC-AC1667EBCBE1}">
+            <a:ext uri="{AF507438-7753-43E0-B8FC-AC1667EBCBE1}">
               <a14:hiddenEffects xmlns:a14="http://schemas.microsoft.com/office/drawing/2010/main">
                 <a:effectLst>
                   <a:outerShdw blurRad="63500" dist="38099" dir="2700000" algn="ctr" rotWithShape="0">
@@ -26569,14 +26545,14 @@
           <a:noFill/>
           <a:ln/>
           <a:extLst>
-            <a:ext uri="{909E8E84-426E-40dd-AFC4-6F175D3DCCD1}">
+            <a:ext uri="{909E8E84-426E-40DD-AFC4-6F175D3DCCD1}">
               <a14:hiddenFill xmlns:a14="http://schemas.microsoft.com/office/drawing/2010/main">
                 <a:solidFill>
                   <a:srgbClr val="FFFFFF"/>
                 </a:solidFill>
               </a14:hiddenFill>
             </a:ext>
-            <a:ext uri="{91240B29-F687-4f45-9708-019B960494DF}">
+            <a:ext uri="{91240B29-F687-4F45-9708-019B960494DF}">
               <a14:hiddenLine xmlns:a14="http://schemas.microsoft.com/office/drawing/2010/main" w="9525">
                 <a:solidFill>
                   <a:srgbClr val="000000"/>
@@ -26705,7 +26681,7 @@
                 <a:latin typeface="Garamond" charset="0"/>
               </a:rPr>
               <a:pPr eaLnBrk="1" hangingPunct="1"/>
-              <a:t>6/6/16</a:t>
+              <a:t>6/8/2016</a:t>
             </a:fld>
             <a:endParaRPr lang="en-US" sz="1200">
               <a:latin typeface="Garamond" charset="0"/>
@@ -26726,7 +26702,7 @@
   <p:timing>
     <p:tnLst>
       <p:par>
-        <p:cTn xmlns:p14="http://schemas.microsoft.com/office/powerpoint/2010/main" id="1" dur="indefinite" restart="never" nodeType="tmRoot"/>
+        <p:cTn id="1" dur="indefinite" restart="never" nodeType="tmRoot"/>
       </p:par>
     </p:tnLst>
   </p:timing>
@@ -27281,14 +27257,14 @@
           <a:noFill/>
           <a:ln/>
           <a:extLst>
-            <a:ext uri="{909E8E84-426E-40dd-AFC4-6F175D3DCCD1}">
+            <a:ext uri="{909E8E84-426E-40DD-AFC4-6F175D3DCCD1}">
               <a14:hiddenFill xmlns:a14="http://schemas.microsoft.com/office/drawing/2010/main">
                 <a:solidFill>
                   <a:srgbClr val="FFFFFF"/>
                 </a:solidFill>
               </a14:hiddenFill>
             </a:ext>
-            <a:ext uri="{91240B29-F687-4f45-9708-019B960494DF}">
+            <a:ext uri="{91240B29-F687-4F45-9708-019B960494DF}">
               <a14:hiddenLine xmlns:a14="http://schemas.microsoft.com/office/drawing/2010/main" w="9525">
                 <a:solidFill>
                   <a:srgbClr val="000000"/>
@@ -27395,7 +27371,7 @@
               <a:rPr lang="en-US" sz="1200" smtClean="0">
                 <a:latin typeface="Garamond" charset="0"/>
               </a:rPr>
-              <a:t>6/6/16</a:t>
+              <a:t>6/8/2016</a:t>
             </a:fld>
             <a:endParaRPr lang="en-US" sz="1200">
               <a:latin typeface="Garamond" charset="0"/>
@@ -27443,14 +27419,14 @@
           <a:noFill/>
           <a:ln/>
           <a:extLst>
-            <a:ext uri="{909E8E84-426E-40dd-AFC4-6F175D3DCCD1}">
+            <a:ext uri="{909E8E84-426E-40DD-AFC4-6F175D3DCCD1}">
               <a14:hiddenFill xmlns:a14="http://schemas.microsoft.com/office/drawing/2010/main">
                 <a:solidFill>
                   <a:srgbClr val="FFFFFF"/>
                 </a:solidFill>
               </a14:hiddenFill>
             </a:ext>
-            <a:ext uri="{91240B29-F687-4f45-9708-019B960494DF}">
+            <a:ext uri="{91240B29-F687-4F45-9708-019B960494DF}">
               <a14:hiddenLine xmlns:a14="http://schemas.microsoft.com/office/drawing/2010/main" w="9525">
                 <a:solidFill>
                   <a:srgbClr val="000000"/>
@@ -27579,7 +27555,7 @@
   <p:timing>
     <p:tnLst>
       <p:par>
-        <p:cTn xmlns:p14="http://schemas.microsoft.com/office/powerpoint/2010/main" id="1" dur="indefinite" restart="never" nodeType="tmRoot"/>
+        <p:cTn id="1" dur="indefinite" restart="never" nodeType="tmRoot"/>
       </p:par>
     </p:tnLst>
   </p:timing>
@@ -27643,14 +27619,14 @@
           <a:noFill/>
           <a:ln/>
           <a:extLst>
-            <a:ext uri="{909E8E84-426E-40dd-AFC4-6F175D3DCCD1}">
+            <a:ext uri="{909E8E84-426E-40DD-AFC4-6F175D3DCCD1}">
               <a14:hiddenFill xmlns:a14="http://schemas.microsoft.com/office/drawing/2010/main">
                 <a:solidFill>
                   <a:srgbClr val="FFFFFF"/>
                 </a:solidFill>
               </a14:hiddenFill>
             </a:ext>
-            <a:ext uri="{91240B29-F687-4f45-9708-019B960494DF}">
+            <a:ext uri="{91240B29-F687-4F45-9708-019B960494DF}">
               <a14:hiddenLine xmlns:a14="http://schemas.microsoft.com/office/drawing/2010/main" w="9525">
                 <a:solidFill>
                   <a:srgbClr val="000000"/>
@@ -27836,7 +27812,7 @@
           <p:nvPr/>
         </p:nvPicPr>
         <p:blipFill>
-          <a:blip r:embed="rId3">
+          <a:blip r:embed="rId3" cstate="email">
             <a:extLst>
               <a:ext uri="{28A0092B-C50C-407E-A947-70E740481C1C}">
                 <a14:useLocalDpi xmlns:a14="http://schemas.microsoft.com/office/drawing/2010/main" val="0"/>
@@ -27861,14 +27837,14 @@
             <a:noFill/>
           </a:ln>
           <a:extLst>
-            <a:ext uri="{909E8E84-426E-40dd-AFC4-6F175D3DCCD1}">
+            <a:ext uri="{909E8E84-426E-40DD-AFC4-6F175D3DCCD1}">
               <a14:hiddenFill xmlns:a14="http://schemas.microsoft.com/office/drawing/2010/main">
                 <a:solidFill>
                   <a:srgbClr val="FFFFFF"/>
                 </a:solidFill>
               </a14:hiddenFill>
             </a:ext>
-            <a:ext uri="{91240B29-F687-4f45-9708-019B960494DF}">
+            <a:ext uri="{91240B29-F687-4F45-9708-019B960494DF}">
               <a14:hiddenLine xmlns:a14="http://schemas.microsoft.com/office/drawing/2010/main" w="9525">
                 <a:solidFill>
                   <a:srgbClr val="000000"/>
@@ -27903,14 +27879,14 @@
           </a:ln>
           <a:effectLst/>
           <a:extLst>
-            <a:ext uri="{909E8E84-426E-40dd-AFC4-6F175D3DCCD1}">
+            <a:ext uri="{909E8E84-426E-40DD-AFC4-6F175D3DCCD1}">
               <a14:hiddenFill xmlns:a14="http://schemas.microsoft.com/office/drawing/2010/main">
                 <a:solidFill>
                   <a:schemeClr val="accent1"/>
                 </a:solidFill>
               </a14:hiddenFill>
             </a:ext>
-            <a:ext uri="{91240B29-F687-4f45-9708-019B960494DF}">
+            <a:ext uri="{91240B29-F687-4F45-9708-019B960494DF}">
               <a14:hiddenLine xmlns:a14="http://schemas.microsoft.com/office/drawing/2010/main" w="9525">
                 <a:solidFill>
                   <a:schemeClr val="tx1"/>
@@ -27920,7 +27896,7 @@
                 <a:tailEnd/>
               </a14:hiddenLine>
             </a:ext>
-            <a:ext uri="{AF507438-7753-43e0-B8FC-AC1667EBCBE1}">
+            <a:ext uri="{AF507438-7753-43E0-B8FC-AC1667EBCBE1}">
               <a14:hiddenEffects xmlns:a14="http://schemas.microsoft.com/office/drawing/2010/main">
                 <a:effectLst>
                   <a:outerShdw blurRad="63500" dist="38099" dir="2700000" algn="ctr" rotWithShape="0">
@@ -27960,7 +27936,7 @@
           <p:nvPr/>
         </p:nvPicPr>
         <p:blipFill>
-          <a:blip r:embed="rId4">
+          <a:blip r:embed="rId4" cstate="email">
             <a:extLst>
               <a:ext uri="{28A0092B-C50C-407E-A947-70E740481C1C}">
                 <a14:useLocalDpi xmlns:a14="http://schemas.microsoft.com/office/drawing/2010/main" val="0"/>
@@ -27985,14 +27961,14 @@
             <a:noFill/>
           </a:ln>
           <a:extLst>
-            <a:ext uri="{909E8E84-426E-40dd-AFC4-6F175D3DCCD1}">
+            <a:ext uri="{909E8E84-426E-40DD-AFC4-6F175D3DCCD1}">
               <a14:hiddenFill xmlns:a14="http://schemas.microsoft.com/office/drawing/2010/main">
                 <a:solidFill>
                   <a:srgbClr val="FFFFFF"/>
                 </a:solidFill>
               </a14:hiddenFill>
             </a:ext>
-            <a:ext uri="{91240B29-F687-4f45-9708-019B960494DF}">
+            <a:ext uri="{91240B29-F687-4F45-9708-019B960494DF}">
               <a14:hiddenLine xmlns:a14="http://schemas.microsoft.com/office/drawing/2010/main" w="9525">
                 <a:solidFill>
                   <a:srgbClr val="000000"/>
@@ -28019,14 +27995,14 @@
           <a:noFill/>
           <a:ln/>
           <a:extLst>
-            <a:ext uri="{909E8E84-426E-40dd-AFC4-6F175D3DCCD1}">
+            <a:ext uri="{909E8E84-426E-40DD-AFC4-6F175D3DCCD1}">
               <a14:hiddenFill xmlns:a14="http://schemas.microsoft.com/office/drawing/2010/main">
                 <a:solidFill>
                   <a:srgbClr val="FFFFFF"/>
                 </a:solidFill>
               </a14:hiddenFill>
             </a:ext>
-            <a:ext uri="{91240B29-F687-4f45-9708-019B960494DF}">
+            <a:ext uri="{91240B29-F687-4F45-9708-019B960494DF}">
               <a14:hiddenLine xmlns:a14="http://schemas.microsoft.com/office/drawing/2010/main" w="9525">
                 <a:solidFill>
                   <a:srgbClr val="000000"/>
@@ -28133,7 +28109,7 @@
               <a:rPr lang="en-US" sz="1200" smtClean="0">
                 <a:latin typeface="Garamond" charset="0"/>
               </a:rPr>
-              <a:t>6/6/16</a:t>
+              <a:t>6/8/2016</a:t>
             </a:fld>
             <a:endParaRPr lang="en-US" sz="1200">
               <a:latin typeface="Garamond" charset="0"/>
@@ -28149,7 +28125,7 @@
   <p:timing>
     <p:tnLst>
       <p:par>
-        <p:cTn xmlns:p14="http://schemas.microsoft.com/office/powerpoint/2010/main" id="1" dur="indefinite" restart="never" nodeType="tmRoot"/>
+        <p:cTn id="1" dur="indefinite" restart="never" nodeType="tmRoot"/>
       </p:par>
     </p:tnLst>
   </p:timing>
@@ -28511,14 +28487,14 @@
           <a:noFill/>
           <a:ln/>
           <a:extLst>
-            <a:ext uri="{909E8E84-426E-40dd-AFC4-6F175D3DCCD1}">
+            <a:ext uri="{909E8E84-426E-40DD-AFC4-6F175D3DCCD1}">
               <a14:hiddenFill xmlns:a14="http://schemas.microsoft.com/office/drawing/2010/main">
                 <a:solidFill>
                   <a:srgbClr val="FFFFFF"/>
                 </a:solidFill>
               </a14:hiddenFill>
             </a:ext>
-            <a:ext uri="{91240B29-F687-4f45-9708-019B960494DF}">
+            <a:ext uri="{91240B29-F687-4F45-9708-019B960494DF}">
               <a14:hiddenLine xmlns:a14="http://schemas.microsoft.com/office/drawing/2010/main" w="9525">
                 <a:solidFill>
                   <a:srgbClr val="000000"/>
@@ -28625,7 +28601,7 @@
               <a:rPr lang="en-US" sz="1200" smtClean="0">
                 <a:latin typeface="Garamond" charset="0"/>
               </a:rPr>
-              <a:t>6/6/16</a:t>
+              <a:t>6/8/2016</a:t>
             </a:fld>
             <a:endParaRPr lang="en-US" sz="1200">
               <a:latin typeface="Garamond" charset="0"/>
@@ -28673,14 +28649,14 @@
           <a:noFill/>
           <a:ln/>
           <a:extLst>
-            <a:ext uri="{909E8E84-426E-40dd-AFC4-6F175D3DCCD1}">
+            <a:ext uri="{909E8E84-426E-40DD-AFC4-6F175D3DCCD1}">
               <a14:hiddenFill xmlns:a14="http://schemas.microsoft.com/office/drawing/2010/main">
                 <a:solidFill>
                   <a:srgbClr val="FFFFFF"/>
                 </a:solidFill>
               </a14:hiddenFill>
             </a:ext>
-            <a:ext uri="{91240B29-F687-4f45-9708-019B960494DF}">
+            <a:ext uri="{91240B29-F687-4F45-9708-019B960494DF}">
               <a14:hiddenLine xmlns:a14="http://schemas.microsoft.com/office/drawing/2010/main" w="9525">
                 <a:solidFill>
                   <a:srgbClr val="000000"/>
@@ -28809,7 +28785,7 @@
   <p:timing>
     <p:tnLst>
       <p:par>
-        <p:cTn xmlns:p14="http://schemas.microsoft.com/office/powerpoint/2010/main" id="1" dur="indefinite" restart="never" nodeType="tmRoot"/>
+        <p:cTn id="1" dur="indefinite" restart="never" nodeType="tmRoot"/>
       </p:par>
     </p:tnLst>
   </p:timing>
@@ -28882,10 +28858,16 @@
           <a:p>
             <a:pPr lvl="1"/>
             <a:r>
+              <a:rPr lang="en-US" smtClean="0">
+                <a:latin typeface="Arial" charset="0"/>
+              </a:rPr>
+              <a:t>Continue discussing </a:t>
+            </a:r>
+            <a:r>
               <a:rPr lang="en-US" dirty="0">
                 <a:latin typeface="Arial" charset="0"/>
               </a:rPr>
-              <a:t>Start discussing PIC instruction set</a:t>
+              <a:t>PIC instruction set</a:t>
             </a:r>
           </a:p>
           <a:p>
@@ -28954,14 +28936,14 @@
           <a:noFill/>
           <a:ln/>
           <a:extLst>
-            <a:ext uri="{909E8E84-426E-40dd-AFC4-6F175D3DCCD1}">
+            <a:ext uri="{909E8E84-426E-40DD-AFC4-6F175D3DCCD1}">
               <a14:hiddenFill xmlns:a14="http://schemas.microsoft.com/office/drawing/2010/main">
                 <a:solidFill>
                   <a:srgbClr val="FFFFFF"/>
                 </a:solidFill>
               </a14:hiddenFill>
             </a:ext>
-            <a:ext uri="{91240B29-F687-4f45-9708-019B960494DF}">
+            <a:ext uri="{91240B29-F687-4F45-9708-019B960494DF}">
               <a14:hiddenLine xmlns:a14="http://schemas.microsoft.com/office/drawing/2010/main" w="9525">
                 <a:solidFill>
                   <a:srgbClr val="000000"/>
@@ -29068,7 +29050,7 @@
               <a:rPr lang="en-US" sz="1200" smtClean="0">
                 <a:latin typeface="Garamond" charset="0"/>
               </a:rPr>
-              <a:t>6/6/16</a:t>
+              <a:t>6/8/2016</a:t>
             </a:fld>
             <a:endParaRPr lang="en-US" sz="1200">
               <a:latin typeface="Garamond" charset="0"/>
@@ -29116,14 +29098,14 @@
           <a:noFill/>
           <a:ln/>
           <a:extLst>
-            <a:ext uri="{909E8E84-426E-40dd-AFC4-6F175D3DCCD1}">
+            <a:ext uri="{909E8E84-426E-40DD-AFC4-6F175D3DCCD1}">
               <a14:hiddenFill xmlns:a14="http://schemas.microsoft.com/office/drawing/2010/main">
                 <a:solidFill>
                   <a:srgbClr val="FFFFFF"/>
                 </a:solidFill>
               </a14:hiddenFill>
             </a:ext>
-            <a:ext uri="{91240B29-F687-4f45-9708-019B960494DF}">
+            <a:ext uri="{91240B29-F687-4F45-9708-019B960494DF}">
               <a14:hiddenLine xmlns:a14="http://schemas.microsoft.com/office/drawing/2010/main" w="9525">
                 <a:solidFill>
                   <a:srgbClr val="000000"/>
@@ -29247,7 +29229,7 @@
   <p:timing>
     <p:tnLst>
       <p:par>
-        <p:cTn xmlns:p14="http://schemas.microsoft.com/office/powerpoint/2010/main" id="1" dur="indefinite" restart="never" nodeType="tmRoot"/>
+        <p:cTn id="1" dur="indefinite" restart="never" nodeType="tmRoot"/>
       </p:par>
     </p:tnLst>
   </p:timing>
@@ -29498,14 +29480,14 @@
           <a:noFill/>
           <a:ln/>
           <a:extLst>
-            <a:ext uri="{909E8E84-426E-40dd-AFC4-6F175D3DCCD1}">
+            <a:ext uri="{909E8E84-426E-40DD-AFC4-6F175D3DCCD1}">
               <a14:hiddenFill xmlns:a14="http://schemas.microsoft.com/office/drawing/2010/main">
                 <a:solidFill>
                   <a:srgbClr val="FFFFFF"/>
                 </a:solidFill>
               </a14:hiddenFill>
             </a:ext>
-            <a:ext uri="{91240B29-F687-4f45-9708-019B960494DF}">
+            <a:ext uri="{91240B29-F687-4F45-9708-019B960494DF}">
               <a14:hiddenLine xmlns:a14="http://schemas.microsoft.com/office/drawing/2010/main" w="9525">
                 <a:solidFill>
                   <a:srgbClr val="000000"/>
@@ -29612,7 +29594,7 @@
               <a:rPr lang="en-US" sz="1200" smtClean="0">
                 <a:latin typeface="Garamond" charset="0"/>
               </a:rPr>
-              <a:t>6/6/16</a:t>
+              <a:t>6/8/2016</a:t>
             </a:fld>
             <a:endParaRPr lang="en-US" sz="1200">
               <a:latin typeface="Garamond" charset="0"/>
@@ -29660,14 +29642,14 @@
           <a:noFill/>
           <a:ln/>
           <a:extLst>
-            <a:ext uri="{909E8E84-426E-40dd-AFC4-6F175D3DCCD1}">
+            <a:ext uri="{909E8E84-426E-40DD-AFC4-6F175D3DCCD1}">
               <a14:hiddenFill xmlns:a14="http://schemas.microsoft.com/office/drawing/2010/main">
                 <a:solidFill>
                   <a:srgbClr val="FFFFFF"/>
                 </a:solidFill>
               </a14:hiddenFill>
             </a:ext>
-            <a:ext uri="{91240B29-F687-4f45-9708-019B960494DF}">
+            <a:ext uri="{91240B29-F687-4F45-9708-019B960494DF}">
               <a14:hiddenLine xmlns:a14="http://schemas.microsoft.com/office/drawing/2010/main" w="9525">
                 <a:solidFill>
                   <a:srgbClr val="000000"/>
@@ -29791,7 +29773,7 @@
   <p:timing>
     <p:tnLst>
       <p:par>
-        <p:cTn xmlns:p14="http://schemas.microsoft.com/office/powerpoint/2010/main" id="1" dur="indefinite" restart="never" nodeType="tmRoot"/>
+        <p:cTn id="1" dur="indefinite" restart="never" nodeType="tmRoot"/>
       </p:par>
     </p:tnLst>
   </p:timing>
@@ -30022,14 +30004,14 @@
           <a:noFill/>
           <a:ln/>
           <a:extLst>
-            <a:ext uri="{909E8E84-426E-40dd-AFC4-6F175D3DCCD1}">
+            <a:ext uri="{909E8E84-426E-40DD-AFC4-6F175D3DCCD1}">
               <a14:hiddenFill xmlns:a14="http://schemas.microsoft.com/office/drawing/2010/main">
                 <a:solidFill>
                   <a:srgbClr val="FFFFFF"/>
                 </a:solidFill>
               </a14:hiddenFill>
             </a:ext>
-            <a:ext uri="{91240B29-F687-4f45-9708-019B960494DF}">
+            <a:ext uri="{91240B29-F687-4F45-9708-019B960494DF}">
               <a14:hiddenLine xmlns:a14="http://schemas.microsoft.com/office/drawing/2010/main" w="9525">
                 <a:solidFill>
                   <a:srgbClr val="000000"/>
@@ -30136,7 +30118,7 @@
               <a:rPr lang="en-US" sz="1200" smtClean="0">
                 <a:latin typeface="Garamond" charset="0"/>
               </a:rPr>
-              <a:t>6/6/16</a:t>
+              <a:t>6/8/2016</a:t>
             </a:fld>
             <a:endParaRPr lang="en-US" sz="1200">
               <a:latin typeface="Garamond" charset="0"/>
@@ -30184,14 +30166,14 @@
           <a:noFill/>
           <a:ln/>
           <a:extLst>
-            <a:ext uri="{909E8E84-426E-40dd-AFC4-6F175D3DCCD1}">
+            <a:ext uri="{909E8E84-426E-40DD-AFC4-6F175D3DCCD1}">
               <a14:hiddenFill xmlns:a14="http://schemas.microsoft.com/office/drawing/2010/main">
                 <a:solidFill>
                   <a:srgbClr val="FFFFFF"/>
                 </a:solidFill>
               </a14:hiddenFill>
             </a:ext>
-            <a:ext uri="{91240B29-F687-4f45-9708-019B960494DF}">
+            <a:ext uri="{91240B29-F687-4F45-9708-019B960494DF}">
               <a14:hiddenLine xmlns:a14="http://schemas.microsoft.com/office/drawing/2010/main" w="9525">
                 <a:solidFill>
                   <a:srgbClr val="000000"/>
@@ -30315,7 +30297,7 @@
   <p:timing>
     <p:tnLst>
       <p:par>
-        <p:cTn xmlns:p14="http://schemas.microsoft.com/office/powerpoint/2010/main" id="1" dur="indefinite" restart="never" nodeType="tmRoot"/>
+        <p:cTn id="1" dur="indefinite" restart="never" nodeType="tmRoot"/>
       </p:par>
     </p:tnLst>
   </p:timing>
@@ -30585,14 +30567,14 @@
           <a:noFill/>
           <a:ln/>
           <a:extLst>
-            <a:ext uri="{909E8E84-426E-40dd-AFC4-6F175D3DCCD1}">
+            <a:ext uri="{909E8E84-426E-40DD-AFC4-6F175D3DCCD1}">
               <a14:hiddenFill xmlns:a14="http://schemas.microsoft.com/office/drawing/2010/main">
                 <a:solidFill>
                   <a:srgbClr val="FFFFFF"/>
                 </a:solidFill>
               </a14:hiddenFill>
             </a:ext>
-            <a:ext uri="{91240B29-F687-4f45-9708-019B960494DF}">
+            <a:ext uri="{91240B29-F687-4F45-9708-019B960494DF}">
               <a14:hiddenLine xmlns:a14="http://schemas.microsoft.com/office/drawing/2010/main" w="9525">
                 <a:solidFill>
                   <a:srgbClr val="000000"/>
@@ -30699,7 +30681,7 @@
               <a:rPr lang="en-US" sz="1200" smtClean="0">
                 <a:latin typeface="Garamond" charset="0"/>
               </a:rPr>
-              <a:t>6/6/16</a:t>
+              <a:t>6/8/2016</a:t>
             </a:fld>
             <a:endParaRPr lang="en-US" sz="1200">
               <a:latin typeface="Garamond" charset="0"/>
@@ -30747,14 +30729,14 @@
           <a:noFill/>
           <a:ln/>
           <a:extLst>
-            <a:ext uri="{909E8E84-426E-40dd-AFC4-6F175D3DCCD1}">
+            <a:ext uri="{909E8E84-426E-40DD-AFC4-6F175D3DCCD1}">
               <a14:hiddenFill xmlns:a14="http://schemas.microsoft.com/office/drawing/2010/main">
                 <a:solidFill>
                   <a:srgbClr val="FFFFFF"/>
                 </a:solidFill>
               </a14:hiddenFill>
             </a:ext>
-            <a:ext uri="{91240B29-F687-4f45-9708-019B960494DF}">
+            <a:ext uri="{91240B29-F687-4F45-9708-019B960494DF}">
               <a14:hiddenLine xmlns:a14="http://schemas.microsoft.com/office/drawing/2010/main" w="9525">
                 <a:solidFill>
                   <a:srgbClr val="000000"/>
@@ -30878,7 +30860,7 @@
   <p:timing>
     <p:tnLst>
       <p:par>
-        <p:cTn xmlns:p14="http://schemas.microsoft.com/office/powerpoint/2010/main" id="1" dur="indefinite" restart="never" nodeType="tmRoot"/>
+        <p:cTn id="1" dur="indefinite" restart="never" nodeType="tmRoot"/>
       </p:par>
     </p:tnLst>
   </p:timing>
@@ -31138,14 +31120,14 @@
           <a:noFill/>
           <a:ln/>
           <a:extLst>
-            <a:ext uri="{909E8E84-426E-40dd-AFC4-6F175D3DCCD1}">
+            <a:ext uri="{909E8E84-426E-40DD-AFC4-6F175D3DCCD1}">
               <a14:hiddenFill xmlns:a14="http://schemas.microsoft.com/office/drawing/2010/main">
                 <a:solidFill>
                   <a:srgbClr val="FFFFFF"/>
                 </a:solidFill>
               </a14:hiddenFill>
             </a:ext>
-            <a:ext uri="{91240B29-F687-4f45-9708-019B960494DF}">
+            <a:ext uri="{91240B29-F687-4F45-9708-019B960494DF}">
               <a14:hiddenLine xmlns:a14="http://schemas.microsoft.com/office/drawing/2010/main" w="9525">
                 <a:solidFill>
                   <a:srgbClr val="000000"/>
@@ -31252,7 +31234,7 @@
               <a:rPr lang="en-US" sz="1200" smtClean="0">
                 <a:latin typeface="Garamond" charset="0"/>
               </a:rPr>
-              <a:t>6/6/16</a:t>
+              <a:t>6/8/2016</a:t>
             </a:fld>
             <a:endParaRPr lang="en-US" sz="1200">
               <a:latin typeface="Garamond" charset="0"/>
@@ -31300,14 +31282,14 @@
           <a:noFill/>
           <a:ln/>
           <a:extLst>
-            <a:ext uri="{909E8E84-426E-40dd-AFC4-6F175D3DCCD1}">
+            <a:ext uri="{909E8E84-426E-40DD-AFC4-6F175D3DCCD1}">
               <a14:hiddenFill xmlns:a14="http://schemas.microsoft.com/office/drawing/2010/main">
                 <a:solidFill>
                   <a:srgbClr val="FFFFFF"/>
                 </a:solidFill>
               </a14:hiddenFill>
             </a:ext>
-            <a:ext uri="{91240B29-F687-4f45-9708-019B960494DF}">
+            <a:ext uri="{91240B29-F687-4F45-9708-019B960494DF}">
               <a14:hiddenLine xmlns:a14="http://schemas.microsoft.com/office/drawing/2010/main" w="9525">
                 <a:solidFill>
                   <a:srgbClr val="000000"/>
@@ -31431,7 +31413,7 @@
   <p:timing>
     <p:tnLst>
       <p:par>
-        <p:cTn xmlns:p14="http://schemas.microsoft.com/office/powerpoint/2010/main" id="1" dur="indefinite" restart="never" nodeType="tmRoot"/>
+        <p:cTn id="1" dur="indefinite" restart="never" nodeType="tmRoot"/>
       </p:par>
     </p:tnLst>
   </p:timing>
@@ -31495,14 +31477,14 @@
           <a:noFill/>
           <a:ln/>
           <a:extLst>
-            <a:ext uri="{909E8E84-426E-40dd-AFC4-6F175D3DCCD1}">
+            <a:ext uri="{909E8E84-426E-40DD-AFC4-6F175D3DCCD1}">
               <a14:hiddenFill xmlns:a14="http://schemas.microsoft.com/office/drawing/2010/main">
                 <a:solidFill>
                   <a:srgbClr val="FFFFFF"/>
                 </a:solidFill>
               </a14:hiddenFill>
             </a:ext>
-            <a:ext uri="{91240B29-F687-4f45-9708-019B960494DF}">
+            <a:ext uri="{91240B29-F687-4F45-9708-019B960494DF}">
               <a14:hiddenLine xmlns:a14="http://schemas.microsoft.com/office/drawing/2010/main" w="9525">
                 <a:solidFill>
                   <a:srgbClr val="000000"/>
@@ -31656,14 +31638,14 @@
           <a:noFill/>
           <a:ln/>
           <a:extLst>
-            <a:ext uri="{909E8E84-426E-40dd-AFC4-6F175D3DCCD1}">
+            <a:ext uri="{909E8E84-426E-40DD-AFC4-6F175D3DCCD1}">
               <a14:hiddenFill xmlns:a14="http://schemas.microsoft.com/office/drawing/2010/main">
                 <a:solidFill>
                   <a:srgbClr val="FFFFFF"/>
                 </a:solidFill>
               </a14:hiddenFill>
             </a:ext>
-            <a:ext uri="{91240B29-F687-4f45-9708-019B960494DF}">
+            <a:ext uri="{91240B29-F687-4F45-9708-019B960494DF}">
               <a14:hiddenLine xmlns:a14="http://schemas.microsoft.com/office/drawing/2010/main" w="9525">
                 <a:solidFill>
                   <a:srgbClr val="000000"/>
@@ -31770,7 +31752,7 @@
               <a:rPr lang="en-US" sz="1200" smtClean="0">
                 <a:latin typeface="Garamond" charset="0"/>
               </a:rPr>
-              <a:t>6/6/16</a:t>
+              <a:t>6/8/2016</a:t>
             </a:fld>
             <a:endParaRPr lang="en-US" sz="1200">
               <a:latin typeface="Garamond" charset="0"/>
@@ -31812,14 +31794,14 @@
             <a:noFill/>
           </a:ln>
           <a:extLst>
-            <a:ext uri="{909E8E84-426E-40dd-AFC4-6F175D3DCCD1}">
+            <a:ext uri="{909E8E84-426E-40DD-AFC4-6F175D3DCCD1}">
               <a14:hiddenFill xmlns:a14="http://schemas.microsoft.com/office/drawing/2010/main">
                 <a:solidFill>
                   <a:schemeClr val="accent1"/>
                 </a:solidFill>
               </a14:hiddenFill>
             </a:ext>
-            <a:ext uri="{91240B29-F687-4f45-9708-019B960494DF}">
+            <a:ext uri="{91240B29-F687-4F45-9708-019B960494DF}">
               <a14:hiddenLine xmlns:a14="http://schemas.microsoft.com/office/drawing/2010/main" w="9525">
                 <a:solidFill>
                   <a:schemeClr val="tx1"/>
@@ -31840,7 +31822,7 @@
   <p:timing>
     <p:tnLst>
       <p:par>
-        <p:cTn xmlns:p14="http://schemas.microsoft.com/office/powerpoint/2010/main" id="1" dur="indefinite" restart="never" nodeType="tmRoot"/>
+        <p:cTn id="1" dur="indefinite" restart="never" nodeType="tmRoot"/>
       </p:par>
     </p:tnLst>
   </p:timing>
@@ -31902,14 +31884,14 @@
           <a:noFill/>
           <a:ln/>
           <a:extLst>
-            <a:ext uri="{909E8E84-426E-40dd-AFC4-6F175D3DCCD1}">
+            <a:ext uri="{909E8E84-426E-40DD-AFC4-6F175D3DCCD1}">
               <a14:hiddenFill xmlns:a14="http://schemas.microsoft.com/office/drawing/2010/main">
                 <a:solidFill>
                   <a:srgbClr val="FFFFFF"/>
                 </a:solidFill>
               </a14:hiddenFill>
             </a:ext>
-            <a:ext uri="{91240B29-F687-4f45-9708-019B960494DF}">
+            <a:ext uri="{91240B29-F687-4F45-9708-019B960494DF}">
               <a14:hiddenLine xmlns:a14="http://schemas.microsoft.com/office/drawing/2010/main" w="9525">
                 <a:solidFill>
                   <a:srgbClr val="000000"/>
@@ -32016,7 +31998,7 @@
               <a:rPr lang="en-US" sz="1200" smtClean="0">
                 <a:latin typeface="Garamond" charset="0"/>
               </a:rPr>
-              <a:t>6/6/16</a:t>
+              <a:t>6/8/2016</a:t>
             </a:fld>
             <a:endParaRPr lang="en-US" sz="1200">
               <a:latin typeface="Garamond" charset="0"/>
@@ -32064,14 +32046,14 @@
           <a:noFill/>
           <a:ln/>
           <a:extLst>
-            <a:ext uri="{909E8E84-426E-40dd-AFC4-6F175D3DCCD1}">
+            <a:ext uri="{909E8E84-426E-40DD-AFC4-6F175D3DCCD1}">
               <a14:hiddenFill xmlns:a14="http://schemas.microsoft.com/office/drawing/2010/main">
                 <a:solidFill>
                   <a:srgbClr val="FFFFFF"/>
                 </a:solidFill>
               </a14:hiddenFill>
             </a:ext>
-            <a:ext uri="{91240B29-F687-4f45-9708-019B960494DF}">
+            <a:ext uri="{91240B29-F687-4F45-9708-019B960494DF}">
               <a14:hiddenLine xmlns:a14="http://schemas.microsoft.com/office/drawing/2010/main" w="9525">
                 <a:solidFill>
                   <a:srgbClr val="000000"/>
@@ -32196,7 +32178,7 @@
           <p:nvPr/>
         </p:nvPicPr>
         <p:blipFill>
-          <a:blip r:embed="rId2">
+          <a:blip r:embed="rId2" cstate="email">
             <a:extLst>
               <a:ext uri="{28A0092B-C50C-407E-A947-70E740481C1C}">
                 <a14:useLocalDpi xmlns:a14="http://schemas.microsoft.com/office/drawing/2010/main" val="0"/>
@@ -32221,14 +32203,14 @@
             <a:noFill/>
           </a:ln>
           <a:extLst>
-            <a:ext uri="{909E8E84-426E-40dd-AFC4-6F175D3DCCD1}">
+            <a:ext uri="{909E8E84-426E-40DD-AFC4-6F175D3DCCD1}">
               <a14:hiddenFill xmlns:a14="http://schemas.microsoft.com/office/drawing/2010/main">
                 <a:solidFill>
                   <a:schemeClr val="accent1"/>
                 </a:solidFill>
               </a14:hiddenFill>
             </a:ext>
-            <a:ext uri="{91240B29-F687-4f45-9708-019B960494DF}">
+            <a:ext uri="{91240B29-F687-4F45-9708-019B960494DF}">
               <a14:hiddenLine xmlns:a14="http://schemas.microsoft.com/office/drawing/2010/main" w="9525">
                 <a:solidFill>
                   <a:schemeClr val="tx1"/>
@@ -32249,7 +32231,7 @@
   <p:timing>
     <p:tnLst>
       <p:par>
-        <p:cTn xmlns:p14="http://schemas.microsoft.com/office/powerpoint/2010/main" id="1" dur="indefinite" restart="never" nodeType="tmRoot"/>
+        <p:cTn id="1" dur="indefinite" restart="never" nodeType="tmRoot"/>
       </p:par>
     </p:tnLst>
   </p:timing>
